--- a/presentation.pptx
+++ b/presentation.pptx
@@ -10,8 +10,12 @@
     <p:sldId id="258" r:id="rId4"/>
     <p:sldId id="259" r:id="rId5"/>
     <p:sldId id="262" r:id="rId6"/>
-    <p:sldId id="261" r:id="rId7"/>
-    <p:sldId id="263" r:id="rId8"/>
+    <p:sldId id="264" r:id="rId7"/>
+    <p:sldId id="266" r:id="rId8"/>
+    <p:sldId id="261" r:id="rId9"/>
+    <p:sldId id="263" r:id="rId10"/>
+    <p:sldId id="267" r:id="rId11"/>
+    <p:sldId id="268" r:id="rId12"/>
   </p:sldIdLst>
   <p:sldSz cx="12192000" cy="6858000"/>
   <p:notesSz cx="6858000" cy="9144000"/>
@@ -110,7 +114,16 @@
       </a:defRPr>
     </a:lvl9pPr>
   </p:defaultTextStyle>
+  <p:extLst>
+    <p:ext uri="{EFAFB233-063F-42B5-8137-9DF3F51BA10A}">
+      <p15:sldGuideLst xmlns:p15="http://schemas.microsoft.com/office/powerpoint/2012/main"/>
+    </p:ext>
+  </p:extLst>
 </p:presentation>
+</file>
+
+<file path=ppt/revisionInfo.xml><?xml version="1.0" encoding="utf-8"?>
+<p1510:revInfo xmlns:a="http://schemas.openxmlformats.org/drawingml/2006/main" xmlns:r="http://schemas.openxmlformats.org/officeDocument/2006/relationships" xmlns:p1510="http://schemas.microsoft.com/office/powerpoint/2015/10/main"/>
 </file>
 
 <file path=ppt/slideLayouts/slideLayout1.xml><?xml version="1.0" encoding="utf-8"?>
@@ -158,7 +171,6 @@
               <a:rPr lang="ko-KR" altLang="en-US"/>
               <a:t>마스터 제목 스타일 편집</a:t>
             </a:r>
-            <a:endParaRPr lang="ko-KR" altLang="en-US"/>
           </a:p>
         </p:txBody>
       </p:sp>
@@ -223,7 +235,6 @@
               <a:rPr lang="ko-KR" altLang="en-US"/>
               <a:t>클릭하여 마스터 부제목 스타일 편집</a:t>
             </a:r>
-            <a:endParaRPr lang="ko-KR" altLang="en-US"/>
           </a:p>
         </p:txBody>
       </p:sp>
@@ -244,7 +255,7 @@
           <a:p>
             <a:fld id="{F0045965-2860-4F7D-A3C8-552CC648831E}" type="datetimeFigureOut">
               <a:rPr lang="ko-KR" altLang="en-US" smtClean="0"/>
-              <a:t>2017-06-12</a:t>
+              <a:t>2017-06-13</a:t>
             </a:fld>
             <a:endParaRPr lang="ko-KR" altLang="en-US"/>
           </a:p>
@@ -341,7 +352,6 @@
               <a:rPr lang="ko-KR" altLang="en-US"/>
               <a:t>마스터 제목 스타일 편집</a:t>
             </a:r>
-            <a:endParaRPr lang="ko-KR" altLang="en-US"/>
           </a:p>
         </p:txBody>
       </p:sp>
@@ -393,7 +403,6 @@
               <a:rPr lang="ko-KR" altLang="en-US"/>
               <a:t>다섯째 수준</a:t>
             </a:r>
-            <a:endParaRPr lang="ko-KR" altLang="en-US"/>
           </a:p>
         </p:txBody>
       </p:sp>
@@ -414,7 +423,7 @@
           <a:p>
             <a:fld id="{F0045965-2860-4F7D-A3C8-552CC648831E}" type="datetimeFigureOut">
               <a:rPr lang="ko-KR" altLang="en-US" smtClean="0"/>
-              <a:t>2017-06-12</a:t>
+              <a:t>2017-06-13</a:t>
             </a:fld>
             <a:endParaRPr lang="ko-KR" altLang="en-US"/>
           </a:p>
@@ -516,7 +525,6 @@
               <a:rPr lang="ko-KR" altLang="en-US"/>
               <a:t>마스터 제목 스타일 편집</a:t>
             </a:r>
-            <a:endParaRPr lang="ko-KR" altLang="en-US"/>
           </a:p>
         </p:txBody>
       </p:sp>
@@ -573,7 +581,6 @@
               <a:rPr lang="ko-KR" altLang="en-US"/>
               <a:t>다섯째 수준</a:t>
             </a:r>
-            <a:endParaRPr lang="ko-KR" altLang="en-US"/>
           </a:p>
         </p:txBody>
       </p:sp>
@@ -594,7 +601,7 @@
           <a:p>
             <a:fld id="{F0045965-2860-4F7D-A3C8-552CC648831E}" type="datetimeFigureOut">
               <a:rPr lang="ko-KR" altLang="en-US" smtClean="0"/>
-              <a:t>2017-06-12</a:t>
+              <a:t>2017-06-13</a:t>
             </a:fld>
             <a:endParaRPr lang="ko-KR" altLang="en-US"/>
           </a:p>
@@ -691,7 +698,6 @@
               <a:rPr lang="ko-KR" altLang="en-US"/>
               <a:t>마스터 제목 스타일 편집</a:t>
             </a:r>
-            <a:endParaRPr lang="ko-KR" altLang="en-US"/>
           </a:p>
         </p:txBody>
       </p:sp>
@@ -743,7 +749,6 @@
               <a:rPr lang="ko-KR" altLang="en-US"/>
               <a:t>다섯째 수준</a:t>
             </a:r>
-            <a:endParaRPr lang="ko-KR" altLang="en-US"/>
           </a:p>
         </p:txBody>
       </p:sp>
@@ -764,7 +769,7 @@
           <a:p>
             <a:fld id="{F0045965-2860-4F7D-A3C8-552CC648831E}" type="datetimeFigureOut">
               <a:rPr lang="ko-KR" altLang="en-US" smtClean="0"/>
-              <a:t>2017-06-12</a:t>
+              <a:t>2017-06-13</a:t>
             </a:fld>
             <a:endParaRPr lang="ko-KR" altLang="en-US"/>
           </a:p>
@@ -870,7 +875,6 @@
               <a:rPr lang="ko-KR" altLang="en-US"/>
               <a:t>마스터 제목 스타일 편집</a:t>
             </a:r>
-            <a:endParaRPr lang="ko-KR" altLang="en-US"/>
           </a:p>
         </p:txBody>
       </p:sp>
@@ -1010,7 +1014,7 @@
           <a:p>
             <a:fld id="{F0045965-2860-4F7D-A3C8-552CC648831E}" type="datetimeFigureOut">
               <a:rPr lang="ko-KR" altLang="en-US" smtClean="0"/>
-              <a:t>2017-06-12</a:t>
+              <a:t>2017-06-13</a:t>
             </a:fld>
             <a:endParaRPr lang="ko-KR" altLang="en-US"/>
           </a:p>
@@ -1107,7 +1111,6 @@
               <a:rPr lang="ko-KR" altLang="en-US"/>
               <a:t>마스터 제목 스타일 편집</a:t>
             </a:r>
-            <a:endParaRPr lang="ko-KR" altLang="en-US"/>
           </a:p>
         </p:txBody>
       </p:sp>
@@ -1164,7 +1167,6 @@
               <a:rPr lang="ko-KR" altLang="en-US"/>
               <a:t>다섯째 수준</a:t>
             </a:r>
-            <a:endParaRPr lang="ko-KR" altLang="en-US"/>
           </a:p>
         </p:txBody>
       </p:sp>
@@ -1221,7 +1223,6 @@
               <a:rPr lang="ko-KR" altLang="en-US"/>
               <a:t>다섯째 수준</a:t>
             </a:r>
-            <a:endParaRPr lang="ko-KR" altLang="en-US"/>
           </a:p>
         </p:txBody>
       </p:sp>
@@ -1242,7 +1243,7 @@
           <a:p>
             <a:fld id="{F0045965-2860-4F7D-A3C8-552CC648831E}" type="datetimeFigureOut">
               <a:rPr lang="ko-KR" altLang="en-US" smtClean="0"/>
-              <a:t>2017-06-12</a:t>
+              <a:t>2017-06-13</a:t>
             </a:fld>
             <a:endParaRPr lang="ko-KR" altLang="en-US"/>
           </a:p>
@@ -1344,7 +1345,6 @@
               <a:rPr lang="ko-KR" altLang="en-US"/>
               <a:t>마스터 제목 스타일 편집</a:t>
             </a:r>
-            <a:endParaRPr lang="ko-KR" altLang="en-US"/>
           </a:p>
         </p:txBody>
       </p:sp>
@@ -1466,7 +1466,6 @@
               <a:rPr lang="ko-KR" altLang="en-US"/>
               <a:t>다섯째 수준</a:t>
             </a:r>
-            <a:endParaRPr lang="ko-KR" altLang="en-US"/>
           </a:p>
         </p:txBody>
       </p:sp>
@@ -1588,7 +1587,6 @@
               <a:rPr lang="ko-KR" altLang="en-US"/>
               <a:t>다섯째 수준</a:t>
             </a:r>
-            <a:endParaRPr lang="ko-KR" altLang="en-US"/>
           </a:p>
         </p:txBody>
       </p:sp>
@@ -1609,7 +1607,7 @@
           <a:p>
             <a:fld id="{F0045965-2860-4F7D-A3C8-552CC648831E}" type="datetimeFigureOut">
               <a:rPr lang="ko-KR" altLang="en-US" smtClean="0"/>
-              <a:t>2017-06-12</a:t>
+              <a:t>2017-06-13</a:t>
             </a:fld>
             <a:endParaRPr lang="ko-KR" altLang="en-US"/>
           </a:p>
@@ -1706,7 +1704,6 @@
               <a:rPr lang="ko-KR" altLang="en-US"/>
               <a:t>마스터 제목 스타일 편집</a:t>
             </a:r>
-            <a:endParaRPr lang="ko-KR" altLang="en-US"/>
           </a:p>
         </p:txBody>
       </p:sp>
@@ -1727,7 +1724,7 @@
           <a:p>
             <a:fld id="{F0045965-2860-4F7D-A3C8-552CC648831E}" type="datetimeFigureOut">
               <a:rPr lang="ko-KR" altLang="en-US" smtClean="0"/>
-              <a:t>2017-06-12</a:t>
+              <a:t>2017-06-13</a:t>
             </a:fld>
             <a:endParaRPr lang="ko-KR" altLang="en-US"/>
           </a:p>
@@ -1822,7 +1819,7 @@
           <a:p>
             <a:fld id="{F0045965-2860-4F7D-A3C8-552CC648831E}" type="datetimeFigureOut">
               <a:rPr lang="ko-KR" altLang="en-US" smtClean="0"/>
-              <a:t>2017-06-12</a:t>
+              <a:t>2017-06-13</a:t>
             </a:fld>
             <a:endParaRPr lang="ko-KR" altLang="en-US"/>
           </a:p>
@@ -1928,7 +1925,6 @@
               <a:rPr lang="ko-KR" altLang="en-US"/>
               <a:t>마스터 제목 스타일 편집</a:t>
             </a:r>
-            <a:endParaRPr lang="ko-KR" altLang="en-US"/>
           </a:p>
         </p:txBody>
       </p:sp>
@@ -2013,7 +2009,6 @@
               <a:rPr lang="ko-KR" altLang="en-US"/>
               <a:t>다섯째 수준</a:t>
             </a:r>
-            <a:endParaRPr lang="ko-KR" altLang="en-US"/>
           </a:p>
         </p:txBody>
       </p:sp>
@@ -2099,7 +2094,7 @@
           <a:p>
             <a:fld id="{F0045965-2860-4F7D-A3C8-552CC648831E}" type="datetimeFigureOut">
               <a:rPr lang="ko-KR" altLang="en-US" smtClean="0"/>
-              <a:t>2017-06-12</a:t>
+              <a:t>2017-06-13</a:t>
             </a:fld>
             <a:endParaRPr lang="ko-KR" altLang="en-US"/>
           </a:p>
@@ -2205,7 +2200,6 @@
               <a:rPr lang="ko-KR" altLang="en-US"/>
               <a:t>마스터 제목 스타일 편집</a:t>
             </a:r>
-            <a:endParaRPr lang="ko-KR" altLang="en-US"/>
           </a:p>
         </p:txBody>
       </p:sp>
@@ -2352,7 +2346,7 @@
           <a:p>
             <a:fld id="{F0045965-2860-4F7D-A3C8-552CC648831E}" type="datetimeFigureOut">
               <a:rPr lang="ko-KR" altLang="en-US" smtClean="0"/>
-              <a:t>2017-06-12</a:t>
+              <a:t>2017-06-13</a:t>
             </a:fld>
             <a:endParaRPr lang="ko-KR" altLang="en-US"/>
           </a:p>
@@ -2464,7 +2458,6 @@
               <a:rPr lang="ko-KR" altLang="en-US"/>
               <a:t>마스터 제목 스타일 편집</a:t>
             </a:r>
-            <a:endParaRPr lang="ko-KR" altLang="en-US"/>
           </a:p>
         </p:txBody>
       </p:sp>
@@ -2526,7 +2519,6 @@
               <a:rPr lang="ko-KR" altLang="en-US"/>
               <a:t>다섯째 수준</a:t>
             </a:r>
-            <a:endParaRPr lang="ko-KR" altLang="en-US"/>
           </a:p>
         </p:txBody>
       </p:sp>
@@ -2565,7 +2557,7 @@
           <a:p>
             <a:fld id="{F0045965-2860-4F7D-A3C8-552CC648831E}" type="datetimeFigureOut">
               <a:rPr lang="ko-KR" altLang="en-US" smtClean="0"/>
-              <a:t>2017-06-12</a:t>
+              <a:t>2017-06-13</a:t>
             </a:fld>
             <a:endParaRPr lang="ko-KR" altLang="en-US"/>
           </a:p>
@@ -3046,6 +3038,832 @@
 </p:sld>
 </file>
 
+<file path=ppt/slides/slide10.xml><?xml version="1.0" encoding="utf-8"?>
+<p:sld xmlns:a="http://schemas.openxmlformats.org/drawingml/2006/main" xmlns:r="http://schemas.openxmlformats.org/officeDocument/2006/relationships" xmlns:p="http://schemas.openxmlformats.org/presentationml/2006/main">
+  <p:cSld>
+    <p:spTree>
+      <p:nvGrpSpPr>
+        <p:cNvPr id="1" name=""/>
+        <p:cNvGrpSpPr/>
+        <p:nvPr/>
+      </p:nvGrpSpPr>
+      <p:grpSpPr>
+        <a:xfrm>
+          <a:off x="0" y="0"/>
+          <a:ext cx="0" cy="0"/>
+          <a:chOff x="0" y="0"/>
+          <a:chExt cx="0" cy="0"/>
+        </a:xfrm>
+      </p:grpSpPr>
+      <p:sp>
+        <p:nvSpPr>
+          <p:cNvPr id="2" name="제목 1">
+            <a:extLst>
+              <a:ext uri="{FF2B5EF4-FFF2-40B4-BE49-F238E27FC236}">
+                <a16:creationId xmlns:a16="http://schemas.microsoft.com/office/drawing/2014/main" id="{62C722CA-4D71-4272-B2BE-3DDB4F043366}"/>
+              </a:ext>
+            </a:extLst>
+          </p:cNvPr>
+          <p:cNvSpPr>
+            <a:spLocks noGrp="1"/>
+          </p:cNvSpPr>
+          <p:nvPr>
+            <p:ph type="title"/>
+          </p:nvPr>
+        </p:nvSpPr>
+        <p:spPr/>
+        <p:txBody>
+          <a:bodyPr/>
+          <a:lstStyle/>
+          <a:p>
+            <a:r>
+              <a:rPr lang="en-US" altLang="ko-KR" dirty="0"/>
+              <a:t>MLP (Price Classification)</a:t>
+            </a:r>
+            <a:endParaRPr lang="ko-KR" altLang="en-US" dirty="0"/>
+          </a:p>
+        </p:txBody>
+      </p:sp>
+      <p:pic>
+        <p:nvPicPr>
+          <p:cNvPr id="6" name="그림 5">
+            <a:extLst>
+              <a:ext uri="{FF2B5EF4-FFF2-40B4-BE49-F238E27FC236}">
+                <a16:creationId xmlns:a16="http://schemas.microsoft.com/office/drawing/2014/main" id="{BBF8FCC0-1CAF-4CC9-A9F9-2C3E2AECEBD6}"/>
+              </a:ext>
+            </a:extLst>
+          </p:cNvPr>
+          <p:cNvPicPr/>
+          <p:nvPr/>
+        </p:nvPicPr>
+        <p:blipFill>
+          <a:blip r:embed="rId2"/>
+          <a:stretch>
+            <a:fillRect/>
+          </a:stretch>
+        </p:blipFill>
+        <p:spPr>
+          <a:xfrm>
+            <a:off x="2189553" y="2448020"/>
+            <a:ext cx="8656955" cy="2153072"/>
+          </a:xfrm>
+          <a:prstGeom prst="rect">
+            <a:avLst/>
+          </a:prstGeom>
+        </p:spPr>
+      </p:pic>
+      <p:sp>
+        <p:nvSpPr>
+          <p:cNvPr id="8" name="TextBox 7">
+            <a:extLst>
+              <a:ext uri="{FF2B5EF4-FFF2-40B4-BE49-F238E27FC236}">
+                <a16:creationId xmlns:a16="http://schemas.microsoft.com/office/drawing/2014/main" id="{DE1921DD-A784-4C41-931F-40DBAE1475F8}"/>
+              </a:ext>
+            </a:extLst>
+          </p:cNvPr>
+          <p:cNvSpPr txBox="1"/>
+          <p:nvPr/>
+        </p:nvSpPr>
+        <p:spPr>
+          <a:xfrm>
+            <a:off x="601785" y="5158127"/>
+            <a:ext cx="3032370" cy="369332"/>
+          </a:xfrm>
+          <a:prstGeom prst="rect">
+            <a:avLst/>
+          </a:prstGeom>
+          <a:noFill/>
+        </p:spPr>
+        <p:txBody>
+          <a:bodyPr wrap="square" rtlCol="0">
+            <a:spAutoFit/>
+          </a:bodyPr>
+          <a:lstStyle/>
+          <a:p>
+            <a:r>
+              <a:rPr lang="en-US" altLang="ko-KR" dirty="0"/>
+              <a:t>Dimension Reduced Input</a:t>
+            </a:r>
+            <a:endParaRPr lang="ko-KR" altLang="en-US" dirty="0"/>
+          </a:p>
+        </p:txBody>
+      </p:sp>
+      <p:sp>
+        <p:nvSpPr>
+          <p:cNvPr id="9" name="TextBox 8">
+            <a:extLst>
+              <a:ext uri="{FF2B5EF4-FFF2-40B4-BE49-F238E27FC236}">
+                <a16:creationId xmlns:a16="http://schemas.microsoft.com/office/drawing/2014/main" id="{9BEC331A-E15E-4F45-9E65-653EE3993DAF}"/>
+              </a:ext>
+            </a:extLst>
+          </p:cNvPr>
+          <p:cNvSpPr txBox="1"/>
+          <p:nvPr/>
+        </p:nvSpPr>
+        <p:spPr>
+          <a:xfrm>
+            <a:off x="4036647" y="5158127"/>
+            <a:ext cx="3032370" cy="369332"/>
+          </a:xfrm>
+          <a:prstGeom prst="rect">
+            <a:avLst/>
+          </a:prstGeom>
+          <a:noFill/>
+        </p:spPr>
+        <p:txBody>
+          <a:bodyPr wrap="square" rtlCol="0">
+            <a:spAutoFit/>
+          </a:bodyPr>
+          <a:lstStyle/>
+          <a:p>
+            <a:pPr algn="ctr"/>
+            <a:r>
+              <a:rPr lang="en-US" altLang="ko-KR" dirty="0"/>
+              <a:t>Sigmoid</a:t>
+            </a:r>
+            <a:endParaRPr lang="ko-KR" altLang="en-US" dirty="0"/>
+          </a:p>
+        </p:txBody>
+      </p:sp>
+      <p:cxnSp>
+        <p:nvCxnSpPr>
+          <p:cNvPr id="11" name="직선 화살표 연결선 10">
+            <a:extLst>
+              <a:ext uri="{FF2B5EF4-FFF2-40B4-BE49-F238E27FC236}">
+                <a16:creationId xmlns:a16="http://schemas.microsoft.com/office/drawing/2014/main" id="{75C0B2CF-CAE4-487D-A5E7-C0E62B7BFC41}"/>
+              </a:ext>
+            </a:extLst>
+          </p:cNvPr>
+          <p:cNvCxnSpPr>
+            <a:stCxn id="9" idx="0"/>
+          </p:cNvCxnSpPr>
+          <p:nvPr/>
+        </p:nvCxnSpPr>
+        <p:spPr>
+          <a:xfrm flipH="1" flipV="1">
+            <a:off x="4845539" y="4173416"/>
+            <a:ext cx="707293" cy="984711"/>
+          </a:xfrm>
+          <a:prstGeom prst="straightConnector1">
+            <a:avLst/>
+          </a:prstGeom>
+          <a:ln>
+            <a:tailEnd type="triangle"/>
+          </a:ln>
+        </p:spPr>
+        <p:style>
+          <a:lnRef idx="1">
+            <a:schemeClr val="accent1"/>
+          </a:lnRef>
+          <a:fillRef idx="0">
+            <a:schemeClr val="accent1"/>
+          </a:fillRef>
+          <a:effectRef idx="0">
+            <a:schemeClr val="accent1"/>
+          </a:effectRef>
+          <a:fontRef idx="minor">
+            <a:schemeClr val="tx1"/>
+          </a:fontRef>
+        </p:style>
+      </p:cxnSp>
+      <p:cxnSp>
+        <p:nvCxnSpPr>
+          <p:cNvPr id="13" name="직선 화살표 연결선 12">
+            <a:extLst>
+              <a:ext uri="{FF2B5EF4-FFF2-40B4-BE49-F238E27FC236}">
+                <a16:creationId xmlns:a16="http://schemas.microsoft.com/office/drawing/2014/main" id="{E909061A-D6DB-4D98-B250-FAFEE54B2A9E}"/>
+              </a:ext>
+            </a:extLst>
+          </p:cNvPr>
+          <p:cNvCxnSpPr>
+            <a:stCxn id="9" idx="0"/>
+          </p:cNvCxnSpPr>
+          <p:nvPr/>
+        </p:nvCxnSpPr>
+        <p:spPr>
+          <a:xfrm flipV="1">
+            <a:off x="5552832" y="4149969"/>
+            <a:ext cx="1191845" cy="1008158"/>
+          </a:xfrm>
+          <a:prstGeom prst="straightConnector1">
+            <a:avLst/>
+          </a:prstGeom>
+          <a:ln>
+            <a:tailEnd type="triangle"/>
+          </a:ln>
+        </p:spPr>
+        <p:style>
+          <a:lnRef idx="1">
+            <a:schemeClr val="accent1"/>
+          </a:lnRef>
+          <a:fillRef idx="0">
+            <a:schemeClr val="accent1"/>
+          </a:fillRef>
+          <a:effectRef idx="0">
+            <a:schemeClr val="accent1"/>
+          </a:effectRef>
+          <a:fontRef idx="minor">
+            <a:schemeClr val="tx1"/>
+          </a:fontRef>
+        </p:style>
+      </p:cxnSp>
+      <p:cxnSp>
+        <p:nvCxnSpPr>
+          <p:cNvPr id="15" name="직선 화살표 연결선 14">
+            <a:extLst>
+              <a:ext uri="{FF2B5EF4-FFF2-40B4-BE49-F238E27FC236}">
+                <a16:creationId xmlns:a16="http://schemas.microsoft.com/office/drawing/2014/main" id="{543F4B9D-9A09-4601-8625-ECD6D79830E8}"/>
+              </a:ext>
+            </a:extLst>
+          </p:cNvPr>
+          <p:cNvCxnSpPr>
+            <a:stCxn id="8" idx="0"/>
+          </p:cNvCxnSpPr>
+          <p:nvPr/>
+        </p:nvCxnSpPr>
+        <p:spPr>
+          <a:xfrm flipV="1">
+            <a:off x="2117970" y="4149969"/>
+            <a:ext cx="351692" cy="1008158"/>
+          </a:xfrm>
+          <a:prstGeom prst="straightConnector1">
+            <a:avLst/>
+          </a:prstGeom>
+          <a:ln>
+            <a:tailEnd type="triangle"/>
+          </a:ln>
+        </p:spPr>
+        <p:style>
+          <a:lnRef idx="1">
+            <a:schemeClr val="accent1"/>
+          </a:lnRef>
+          <a:fillRef idx="0">
+            <a:schemeClr val="accent1"/>
+          </a:fillRef>
+          <a:effectRef idx="0">
+            <a:schemeClr val="accent1"/>
+          </a:effectRef>
+          <a:fontRef idx="minor">
+            <a:schemeClr val="tx1"/>
+          </a:fontRef>
+        </p:style>
+      </p:cxnSp>
+      <p:sp>
+        <p:nvSpPr>
+          <p:cNvPr id="16" name="TextBox 15">
+            <a:extLst>
+              <a:ext uri="{FF2B5EF4-FFF2-40B4-BE49-F238E27FC236}">
+                <a16:creationId xmlns:a16="http://schemas.microsoft.com/office/drawing/2014/main" id="{EF058456-91F3-4C18-94EB-EEDBE5ACF7C0}"/>
+              </a:ext>
+            </a:extLst>
+          </p:cNvPr>
+          <p:cNvSpPr txBox="1"/>
+          <p:nvPr/>
+        </p:nvSpPr>
+        <p:spPr>
+          <a:xfrm>
+            <a:off x="7451970" y="5147381"/>
+            <a:ext cx="3032370" cy="369332"/>
+          </a:xfrm>
+          <a:prstGeom prst="rect">
+            <a:avLst/>
+          </a:prstGeom>
+          <a:noFill/>
+        </p:spPr>
+        <p:txBody>
+          <a:bodyPr wrap="square" rtlCol="0">
+            <a:spAutoFit/>
+          </a:bodyPr>
+          <a:lstStyle/>
+          <a:p>
+            <a:pPr algn="ctr"/>
+            <a:r>
+              <a:rPr lang="en-US" altLang="ko-KR" dirty="0"/>
+              <a:t>Sigmoid</a:t>
+            </a:r>
+            <a:endParaRPr lang="ko-KR" altLang="en-US" dirty="0"/>
+          </a:p>
+        </p:txBody>
+      </p:sp>
+      <p:cxnSp>
+        <p:nvCxnSpPr>
+          <p:cNvPr id="18" name="직선 화살표 연결선 17">
+            <a:extLst>
+              <a:ext uri="{FF2B5EF4-FFF2-40B4-BE49-F238E27FC236}">
+                <a16:creationId xmlns:a16="http://schemas.microsoft.com/office/drawing/2014/main" id="{9DEB7D71-AD81-4750-92E2-EEF93B5BBBF5}"/>
+              </a:ext>
+            </a:extLst>
+          </p:cNvPr>
+          <p:cNvCxnSpPr>
+            <a:stCxn id="16" idx="0"/>
+          </p:cNvCxnSpPr>
+          <p:nvPr/>
+        </p:nvCxnSpPr>
+        <p:spPr>
+          <a:xfrm flipV="1">
+            <a:off x="8968155" y="4173416"/>
+            <a:ext cx="191476" cy="973965"/>
+          </a:xfrm>
+          <a:prstGeom prst="straightConnector1">
+            <a:avLst/>
+          </a:prstGeom>
+          <a:ln>
+            <a:tailEnd type="triangle"/>
+          </a:ln>
+        </p:spPr>
+        <p:style>
+          <a:lnRef idx="1">
+            <a:schemeClr val="accent1"/>
+          </a:lnRef>
+          <a:fillRef idx="0">
+            <a:schemeClr val="accent1"/>
+          </a:fillRef>
+          <a:effectRef idx="0">
+            <a:schemeClr val="accent1"/>
+          </a:effectRef>
+          <a:fontRef idx="minor">
+            <a:schemeClr val="tx1"/>
+          </a:fontRef>
+        </p:style>
+      </p:cxnSp>
+    </p:spTree>
+    <p:extLst>
+      <p:ext uri="{BB962C8B-B14F-4D97-AF65-F5344CB8AC3E}">
+        <p14:creationId xmlns:p14="http://schemas.microsoft.com/office/powerpoint/2010/main" val="1642126929"/>
+      </p:ext>
+    </p:extLst>
+  </p:cSld>
+  <p:clrMapOvr>
+    <a:masterClrMapping/>
+  </p:clrMapOvr>
+</p:sld>
+</file>
+
+<file path=ppt/slides/slide11.xml><?xml version="1.0" encoding="utf-8"?>
+<p:sld xmlns:a="http://schemas.openxmlformats.org/drawingml/2006/main" xmlns:r="http://schemas.openxmlformats.org/officeDocument/2006/relationships" xmlns:p="http://schemas.openxmlformats.org/presentationml/2006/main">
+  <p:cSld>
+    <p:spTree>
+      <p:nvGrpSpPr>
+        <p:cNvPr id="1" name=""/>
+        <p:cNvGrpSpPr/>
+        <p:nvPr/>
+      </p:nvGrpSpPr>
+      <p:grpSpPr>
+        <a:xfrm>
+          <a:off x="0" y="0"/>
+          <a:ext cx="0" cy="0"/>
+          <a:chOff x="0" y="0"/>
+          <a:chExt cx="0" cy="0"/>
+        </a:xfrm>
+      </p:grpSpPr>
+      <p:sp>
+        <p:nvSpPr>
+          <p:cNvPr id="2" name="제목 1">
+            <a:extLst>
+              <a:ext uri="{FF2B5EF4-FFF2-40B4-BE49-F238E27FC236}">
+                <a16:creationId xmlns:a16="http://schemas.microsoft.com/office/drawing/2014/main" id="{A9D6FD9E-1334-4045-B47B-EC24C6AF57DB}"/>
+              </a:ext>
+            </a:extLst>
+          </p:cNvPr>
+          <p:cNvSpPr>
+            <a:spLocks noGrp="1"/>
+          </p:cNvSpPr>
+          <p:nvPr>
+            <p:ph type="title"/>
+          </p:nvPr>
+        </p:nvSpPr>
+        <p:spPr/>
+        <p:txBody>
+          <a:bodyPr/>
+          <a:lstStyle/>
+          <a:p>
+            <a:r>
+              <a:rPr lang="en-US" altLang="ko-KR" dirty="0"/>
+              <a:t>MLP Result</a:t>
+            </a:r>
+            <a:endParaRPr lang="ko-KR" altLang="en-US" dirty="0"/>
+          </a:p>
+        </p:txBody>
+      </p:sp>
+      <p:graphicFrame>
+        <p:nvGraphicFramePr>
+          <p:cNvPr id="5" name="내용 개체 틀 4">
+            <a:extLst>
+              <a:ext uri="{FF2B5EF4-FFF2-40B4-BE49-F238E27FC236}">
+                <a16:creationId xmlns:a16="http://schemas.microsoft.com/office/drawing/2014/main" id="{4DBF6048-471A-41E9-BFAF-5D86C9EC035F}"/>
+              </a:ext>
+            </a:extLst>
+          </p:cNvPr>
+          <p:cNvGraphicFramePr>
+            <a:graphicFrameLocks noGrp="1"/>
+          </p:cNvGraphicFramePr>
+          <p:nvPr>
+            <p:ph idx="1"/>
+            <p:extLst>
+              <p:ext uri="{D42A27DB-BD31-4B8C-83A1-F6EECF244321}">
+                <p14:modId xmlns:p14="http://schemas.microsoft.com/office/powerpoint/2010/main" val="1534724746"/>
+              </p:ext>
+            </p:extLst>
+          </p:nvPr>
+        </p:nvGraphicFramePr>
+        <p:xfrm>
+          <a:off x="6283211" y="3047356"/>
+          <a:ext cx="3511550" cy="335280"/>
+        </p:xfrm>
+        <a:graphic>
+          <a:graphicData uri="http://schemas.openxmlformats.org/drawingml/2006/table">
+            <a:tbl>
+              <a:tblPr firstRow="1" firstCol="1" bandRow="1">
+                <a:tableStyleId>{5C22544A-7EE6-4342-B048-85BDC9FD1C3A}</a:tableStyleId>
+              </a:tblPr>
+              <a:tblGrid>
+                <a:gridCol w="627380">
+                  <a:extLst>
+                    <a:ext uri="{9D8B030D-6E8A-4147-A177-3AD203B41FA5}">
+                      <a16:colId xmlns:a16="http://schemas.microsoft.com/office/drawing/2014/main" val="3756868783"/>
+                    </a:ext>
+                  </a:extLst>
+                </a:gridCol>
+                <a:gridCol w="2884170">
+                  <a:extLst>
+                    <a:ext uri="{9D8B030D-6E8A-4147-A177-3AD203B41FA5}">
+                      <a16:colId xmlns:a16="http://schemas.microsoft.com/office/drawing/2014/main" val="2602292042"/>
+                    </a:ext>
+                  </a:extLst>
+                </a:gridCol>
+              </a:tblGrid>
+              <a:tr h="171450">
+                <a:tc>
+                  <a:txBody>
+                    <a:bodyPr/>
+                    <a:lstStyle/>
+                    <a:p>
+                      <a:pPr algn="just" latinLnBrk="1">
+                        <a:lnSpc>
+                          <a:spcPct val="107000"/>
+                        </a:lnSpc>
+                        <a:spcAft>
+                          <a:spcPts val="0"/>
+                        </a:spcAft>
+                      </a:pPr>
+                      <a:r>
+                        <a:rPr lang="en-US" sz="1000" kern="100" dirty="0">
+                          <a:effectLst/>
+                        </a:rPr>
+                        <a:t> </a:t>
+                      </a:r>
+                      <a:endParaRPr lang="ko-KR" sz="1000" kern="100" dirty="0">
+                        <a:effectLst/>
+                        <a:latin typeface="맑은 고딕" panose="020B0503020000020004" pitchFamily="50" charset="-127"/>
+                        <a:ea typeface="맑은 고딕" panose="020B0503020000020004" pitchFamily="50" charset="-127"/>
+                        <a:cs typeface="Times New Roman" panose="02020603050405020304" pitchFamily="18" charset="0"/>
+                      </a:endParaRPr>
+                    </a:p>
+                  </a:txBody>
+                  <a:tcPr marL="68580" marR="68580" marT="0" marB="0"/>
+                </a:tc>
+                <a:tc>
+                  <a:txBody>
+                    <a:bodyPr/>
+                    <a:lstStyle/>
+                    <a:p>
+                      <a:pPr algn="just" latinLnBrk="1">
+                        <a:lnSpc>
+                          <a:spcPct val="107000"/>
+                        </a:lnSpc>
+                        <a:spcAft>
+                          <a:spcPts val="0"/>
+                        </a:spcAft>
+                      </a:pPr>
+                      <a:r>
+                        <a:rPr lang="en-US" sz="1000" kern="100" dirty="0">
+                          <a:effectLst/>
+                        </a:rPr>
+                        <a:t>Training (Error Rate)</a:t>
+                      </a:r>
+                      <a:endParaRPr lang="ko-KR" sz="1000" kern="100" dirty="0">
+                        <a:effectLst/>
+                        <a:latin typeface="맑은 고딕" panose="020B0503020000020004" pitchFamily="50" charset="-127"/>
+                        <a:ea typeface="맑은 고딕" panose="020B0503020000020004" pitchFamily="50" charset="-127"/>
+                        <a:cs typeface="Times New Roman" panose="02020603050405020304" pitchFamily="18" charset="0"/>
+                      </a:endParaRPr>
+                    </a:p>
+                  </a:txBody>
+                  <a:tcPr marL="68580" marR="68580" marT="0" marB="0"/>
+                </a:tc>
+                <a:extLst>
+                  <a:ext uri="{0D108BD9-81ED-4DB2-BD59-A6C34878D82A}">
+                    <a16:rowId xmlns:a16="http://schemas.microsoft.com/office/drawing/2014/main" val="2782561942"/>
+                  </a:ext>
+                </a:extLst>
+              </a:tr>
+              <a:tr h="163830">
+                <a:tc>
+                  <a:txBody>
+                    <a:bodyPr/>
+                    <a:lstStyle/>
+                    <a:p>
+                      <a:pPr algn="just" latinLnBrk="1">
+                        <a:lnSpc>
+                          <a:spcPct val="107000"/>
+                        </a:lnSpc>
+                        <a:spcAft>
+                          <a:spcPts val="0"/>
+                        </a:spcAft>
+                      </a:pPr>
+                      <a:r>
+                        <a:rPr lang="en-US" sz="1000" kern="100" dirty="0">
+                          <a:effectLst/>
+                        </a:rPr>
+                        <a:t>1000</a:t>
+                      </a:r>
+                      <a:endParaRPr lang="ko-KR" sz="1000" kern="100" dirty="0">
+                        <a:effectLst/>
+                        <a:latin typeface="맑은 고딕" panose="020B0503020000020004" pitchFamily="50" charset="-127"/>
+                        <a:ea typeface="맑은 고딕" panose="020B0503020000020004" pitchFamily="50" charset="-127"/>
+                        <a:cs typeface="Times New Roman" panose="02020603050405020304" pitchFamily="18" charset="0"/>
+                      </a:endParaRPr>
+                    </a:p>
+                  </a:txBody>
+                  <a:tcPr marL="68580" marR="68580" marT="0" marB="0"/>
+                </a:tc>
+                <a:tc>
+                  <a:txBody>
+                    <a:bodyPr/>
+                    <a:lstStyle/>
+                    <a:p>
+                      <a:pPr algn="just" latinLnBrk="1">
+                        <a:lnSpc>
+                          <a:spcPct val="107000"/>
+                        </a:lnSpc>
+                        <a:spcAft>
+                          <a:spcPts val="0"/>
+                        </a:spcAft>
+                      </a:pPr>
+                      <a:r>
+                        <a:rPr lang="en-US" altLang="ko-KR" sz="1000" kern="100" dirty="0">
+                          <a:effectLst/>
+                          <a:latin typeface="맑은 고딕" panose="020B0503020000020004" pitchFamily="50" charset="-127"/>
+                          <a:ea typeface="맑은 고딕" panose="020B0503020000020004" pitchFamily="50" charset="-127"/>
+                          <a:cs typeface="Times New Roman" panose="02020603050405020304" pitchFamily="18" charset="0"/>
+                        </a:rPr>
+                        <a:t>0.1329</a:t>
+                      </a:r>
+                      <a:endParaRPr lang="ko-KR" sz="1000" kern="100" dirty="0">
+                        <a:effectLst/>
+                        <a:latin typeface="맑은 고딕" panose="020B0503020000020004" pitchFamily="50" charset="-127"/>
+                        <a:ea typeface="맑은 고딕" panose="020B0503020000020004" pitchFamily="50" charset="-127"/>
+                        <a:cs typeface="Times New Roman" panose="02020603050405020304" pitchFamily="18" charset="0"/>
+                      </a:endParaRPr>
+                    </a:p>
+                  </a:txBody>
+                  <a:tcPr marL="68580" marR="68580" marT="0" marB="0"/>
+                </a:tc>
+                <a:extLst>
+                  <a:ext uri="{0D108BD9-81ED-4DB2-BD59-A6C34878D82A}">
+                    <a16:rowId xmlns:a16="http://schemas.microsoft.com/office/drawing/2014/main" val="2027890215"/>
+                  </a:ext>
+                </a:extLst>
+              </a:tr>
+            </a:tbl>
+          </a:graphicData>
+        </a:graphic>
+      </p:graphicFrame>
+      <p:pic>
+        <p:nvPicPr>
+          <p:cNvPr id="4" name="그림 3">
+            <a:extLst>
+              <a:ext uri="{FF2B5EF4-FFF2-40B4-BE49-F238E27FC236}">
+                <a16:creationId xmlns:a16="http://schemas.microsoft.com/office/drawing/2014/main" id="{BDEFF06F-6790-44AD-8ECD-67A8B8BA3148}"/>
+              </a:ext>
+            </a:extLst>
+          </p:cNvPr>
+          <p:cNvPicPr/>
+          <p:nvPr/>
+        </p:nvPicPr>
+        <p:blipFill>
+          <a:blip r:embed="rId2">
+            <a:extLst>
+              <a:ext uri="{28A0092B-C50C-407E-A947-70E740481C1C}">
+                <a14:useLocalDpi xmlns:a14="http://schemas.microsoft.com/office/drawing/2010/main" val="0"/>
+              </a:ext>
+            </a:extLst>
+          </a:blip>
+          <a:srcRect/>
+          <a:stretch>
+            <a:fillRect/>
+          </a:stretch>
+        </p:blipFill>
+        <p:spPr bwMode="auto">
+          <a:xfrm>
+            <a:off x="723387" y="2000809"/>
+            <a:ext cx="5372613" cy="4028282"/>
+          </a:xfrm>
+          <a:prstGeom prst="rect">
+            <a:avLst/>
+          </a:prstGeom>
+          <a:noFill/>
+          <a:ln>
+            <a:noFill/>
+          </a:ln>
+        </p:spPr>
+      </p:pic>
+      <p:graphicFrame>
+        <p:nvGraphicFramePr>
+          <p:cNvPr id="8" name="내용 개체 틀 4">
+            <a:extLst>
+              <a:ext uri="{FF2B5EF4-FFF2-40B4-BE49-F238E27FC236}">
+                <a16:creationId xmlns:a16="http://schemas.microsoft.com/office/drawing/2014/main" id="{BD7702F6-B27D-4577-AB02-BDD5572EDFB8}"/>
+              </a:ext>
+            </a:extLst>
+          </p:cNvPr>
+          <p:cNvGraphicFramePr>
+            <a:graphicFrameLocks/>
+          </p:cNvGraphicFramePr>
+          <p:nvPr>
+            <p:extLst>
+              <p:ext uri="{D42A27DB-BD31-4B8C-83A1-F6EECF244321}">
+                <p14:modId xmlns:p14="http://schemas.microsoft.com/office/powerpoint/2010/main" val="2690530382"/>
+              </p:ext>
+            </p:extLst>
+          </p:nvPr>
+        </p:nvGraphicFramePr>
+        <p:xfrm>
+          <a:off x="6283211" y="4739304"/>
+          <a:ext cx="3511550" cy="335280"/>
+        </p:xfrm>
+        <a:graphic>
+          <a:graphicData uri="http://schemas.openxmlformats.org/drawingml/2006/table">
+            <a:tbl>
+              <a:tblPr firstRow="1" firstCol="1" bandRow="1">
+                <a:tableStyleId>{5C22544A-7EE6-4342-B048-85BDC9FD1C3A}</a:tableStyleId>
+              </a:tblPr>
+              <a:tblGrid>
+                <a:gridCol w="627380">
+                  <a:extLst>
+                    <a:ext uri="{9D8B030D-6E8A-4147-A177-3AD203B41FA5}">
+                      <a16:colId xmlns:a16="http://schemas.microsoft.com/office/drawing/2014/main" val="3756868783"/>
+                    </a:ext>
+                  </a:extLst>
+                </a:gridCol>
+                <a:gridCol w="2884170">
+                  <a:extLst>
+                    <a:ext uri="{9D8B030D-6E8A-4147-A177-3AD203B41FA5}">
+                      <a16:colId xmlns:a16="http://schemas.microsoft.com/office/drawing/2014/main" val="2602292042"/>
+                    </a:ext>
+                  </a:extLst>
+                </a:gridCol>
+              </a:tblGrid>
+              <a:tr h="171450">
+                <a:tc>
+                  <a:txBody>
+                    <a:bodyPr/>
+                    <a:lstStyle/>
+                    <a:p>
+                      <a:pPr algn="just" latinLnBrk="1">
+                        <a:lnSpc>
+                          <a:spcPct val="107000"/>
+                        </a:lnSpc>
+                        <a:spcAft>
+                          <a:spcPts val="0"/>
+                        </a:spcAft>
+                      </a:pPr>
+                      <a:r>
+                        <a:rPr lang="en-US" sz="1000" kern="100" dirty="0">
+                          <a:effectLst/>
+                        </a:rPr>
+                        <a:t> </a:t>
+                      </a:r>
+                      <a:endParaRPr lang="ko-KR" sz="1000" kern="100" dirty="0">
+                        <a:effectLst/>
+                        <a:latin typeface="맑은 고딕" panose="020B0503020000020004" pitchFamily="50" charset="-127"/>
+                        <a:ea typeface="맑은 고딕" panose="020B0503020000020004" pitchFamily="50" charset="-127"/>
+                        <a:cs typeface="Times New Roman" panose="02020603050405020304" pitchFamily="18" charset="0"/>
+                      </a:endParaRPr>
+                    </a:p>
+                  </a:txBody>
+                  <a:tcPr marL="68580" marR="68580" marT="0" marB="0"/>
+                </a:tc>
+                <a:tc>
+                  <a:txBody>
+                    <a:bodyPr/>
+                    <a:lstStyle/>
+                    <a:p>
+                      <a:pPr algn="just" latinLnBrk="1">
+                        <a:lnSpc>
+                          <a:spcPct val="107000"/>
+                        </a:lnSpc>
+                        <a:spcAft>
+                          <a:spcPts val="0"/>
+                        </a:spcAft>
+                      </a:pPr>
+                      <a:r>
+                        <a:rPr lang="en-US" sz="1000" kern="100" dirty="0">
+                          <a:effectLst/>
+                        </a:rPr>
+                        <a:t>Test (Error Rate)</a:t>
+                      </a:r>
+                      <a:endParaRPr lang="ko-KR" sz="1000" kern="100" dirty="0">
+                        <a:effectLst/>
+                        <a:latin typeface="맑은 고딕" panose="020B0503020000020004" pitchFamily="50" charset="-127"/>
+                        <a:ea typeface="맑은 고딕" panose="020B0503020000020004" pitchFamily="50" charset="-127"/>
+                        <a:cs typeface="Times New Roman" panose="02020603050405020304" pitchFamily="18" charset="0"/>
+                      </a:endParaRPr>
+                    </a:p>
+                  </a:txBody>
+                  <a:tcPr marL="68580" marR="68580" marT="0" marB="0"/>
+                </a:tc>
+                <a:extLst>
+                  <a:ext uri="{0D108BD9-81ED-4DB2-BD59-A6C34878D82A}">
+                    <a16:rowId xmlns:a16="http://schemas.microsoft.com/office/drawing/2014/main" val="2782561942"/>
+                  </a:ext>
+                </a:extLst>
+              </a:tr>
+              <a:tr h="163830">
+                <a:tc>
+                  <a:txBody>
+                    <a:bodyPr/>
+                    <a:lstStyle/>
+                    <a:p>
+                      <a:pPr algn="just" latinLnBrk="1">
+                        <a:lnSpc>
+                          <a:spcPct val="107000"/>
+                        </a:lnSpc>
+                        <a:spcAft>
+                          <a:spcPts val="0"/>
+                        </a:spcAft>
+                      </a:pPr>
+                      <a:r>
+                        <a:rPr lang="en-US" sz="1000" kern="100" dirty="0">
+                          <a:effectLst/>
+                        </a:rPr>
+                        <a:t>1000</a:t>
+                      </a:r>
+                      <a:endParaRPr lang="ko-KR" sz="1000" kern="100" dirty="0">
+                        <a:effectLst/>
+                        <a:latin typeface="맑은 고딕" panose="020B0503020000020004" pitchFamily="50" charset="-127"/>
+                        <a:ea typeface="맑은 고딕" panose="020B0503020000020004" pitchFamily="50" charset="-127"/>
+                        <a:cs typeface="Times New Roman" panose="02020603050405020304" pitchFamily="18" charset="0"/>
+                      </a:endParaRPr>
+                    </a:p>
+                  </a:txBody>
+                  <a:tcPr marL="68580" marR="68580" marT="0" marB="0"/>
+                </a:tc>
+                <a:tc>
+                  <a:txBody>
+                    <a:bodyPr/>
+                    <a:lstStyle/>
+                    <a:p>
+                      <a:pPr algn="just" latinLnBrk="1">
+                        <a:lnSpc>
+                          <a:spcPct val="107000"/>
+                        </a:lnSpc>
+                        <a:spcAft>
+                          <a:spcPts val="0"/>
+                        </a:spcAft>
+                      </a:pPr>
+                      <a:r>
+                        <a:rPr lang="en-US" altLang="ko-KR" sz="1000" kern="100" dirty="0">
+                          <a:effectLst/>
+                          <a:latin typeface="맑은 고딕" panose="020B0503020000020004" pitchFamily="50" charset="-127"/>
+                          <a:ea typeface="맑은 고딕" panose="020B0503020000020004" pitchFamily="50" charset="-127"/>
+                          <a:cs typeface="Times New Roman" panose="02020603050405020304" pitchFamily="18" charset="0"/>
+                        </a:rPr>
+                        <a:t>0.1547</a:t>
+                      </a:r>
+                      <a:endParaRPr lang="ko-KR" sz="1000" kern="100" dirty="0">
+                        <a:effectLst/>
+                        <a:latin typeface="맑은 고딕" panose="020B0503020000020004" pitchFamily="50" charset="-127"/>
+                        <a:ea typeface="맑은 고딕" panose="020B0503020000020004" pitchFamily="50" charset="-127"/>
+                        <a:cs typeface="Times New Roman" panose="02020603050405020304" pitchFamily="18" charset="0"/>
+                      </a:endParaRPr>
+                    </a:p>
+                  </a:txBody>
+                  <a:tcPr marL="68580" marR="68580" marT="0" marB="0"/>
+                </a:tc>
+                <a:extLst>
+                  <a:ext uri="{0D108BD9-81ED-4DB2-BD59-A6C34878D82A}">
+                    <a16:rowId xmlns:a16="http://schemas.microsoft.com/office/drawing/2014/main" val="2027890215"/>
+                  </a:ext>
+                </a:extLst>
+              </a:tr>
+            </a:tbl>
+          </a:graphicData>
+        </a:graphic>
+      </p:graphicFrame>
+    </p:spTree>
+    <p:extLst>
+      <p:ext uri="{BB962C8B-B14F-4D97-AF65-F5344CB8AC3E}">
+        <p14:creationId xmlns:p14="http://schemas.microsoft.com/office/powerpoint/2010/main" val="3340510659"/>
+      </p:ext>
+    </p:extLst>
+  </p:cSld>
+  <p:clrMapOvr>
+    <a:masterClrMapping/>
+  </p:clrMapOvr>
+</p:sld>
+</file>
+
 <file path=ppt/slides/slide2.xml><?xml version="1.0" encoding="utf-8"?>
 <p:sld xmlns:a="http://schemas.openxmlformats.org/drawingml/2006/main" xmlns:r="http://schemas.openxmlformats.org/officeDocument/2006/relationships" xmlns:p="http://schemas.openxmlformats.org/presentationml/2006/main">
   <p:cSld>
@@ -5472,47 +6290,148 @@
           </a:p>
         </p:txBody>
       </p:sp>
-      <p:sp>
-        <p:nvSpPr>
-          <p:cNvPr id="4" name="내용 개체 틀 3"/>
-          <p:cNvSpPr>
-            <a:spLocks noGrp="1"/>
-          </p:cNvSpPr>
+      <p:pic>
+        <p:nvPicPr>
+          <p:cNvPr id="29" name="내용 개체 틀 28">
+            <a:extLst>
+              <a:ext uri="{FF2B5EF4-FFF2-40B4-BE49-F238E27FC236}">
+                <a16:creationId xmlns:a16="http://schemas.microsoft.com/office/drawing/2014/main" id="{31A4E2D1-B310-4D60-88F2-5D259F152908}"/>
+              </a:ext>
+            </a:extLst>
+          </p:cNvPr>
+          <p:cNvPicPr>
+            <a:picLocks noGrp="1" noChangeAspect="1"/>
+          </p:cNvPicPr>
           <p:nvPr>
             <p:ph idx="1"/>
           </p:nvPr>
-        </p:nvSpPr>
-        <p:spPr/>
-        <p:txBody>
-          <a:bodyPr/>
-          <a:lstStyle/>
-          <a:p>
-            <a:endParaRPr lang="ko-KR" altLang="en-US" dirty="0"/>
-          </a:p>
-        </p:txBody>
-      </p:sp>
-      <p:pic>
-        <p:nvPicPr>
-          <p:cNvPr id="30" name="그림 29"/>
-          <p:cNvPicPr/>
-          <p:nvPr/>
         </p:nvPicPr>
         <p:blipFill rotWithShape="1">
-          <a:blip r:embed="rId2"/>
-          <a:srcRect t="77619" r="63311" b="4813"/>
+          <a:blip r:embed="rId2">
+            <a:extLst>
+              <a:ext uri="{28A0092B-C50C-407E-A947-70E740481C1C}">
+                <a14:useLocalDpi xmlns:a14="http://schemas.microsoft.com/office/drawing/2010/main" val="0"/>
+              </a:ext>
+            </a:extLst>
+          </a:blip>
+          <a:srcRect r="46591" b="53317"/>
           <a:stretch/>
         </p:blipFill>
         <p:spPr>
           <a:xfrm>
-            <a:off x="6096000" y="3600267"/>
-            <a:ext cx="5012382" cy="1409377"/>
+            <a:off x="6739385" y="2223660"/>
+            <a:ext cx="4923879" cy="4494963"/>
+          </a:xfrm>
+        </p:spPr>
+      </p:pic>
+      <p:sp>
+        <p:nvSpPr>
+          <p:cNvPr id="31" name="TextBox 30">
+            <a:extLst>
+              <a:ext uri="{FF2B5EF4-FFF2-40B4-BE49-F238E27FC236}">
+                <a16:creationId xmlns:a16="http://schemas.microsoft.com/office/drawing/2014/main" id="{9D187449-C59B-4F42-A607-F0488D91E9C1}"/>
+              </a:ext>
+            </a:extLst>
+          </p:cNvPr>
+          <p:cNvSpPr txBox="1"/>
+          <p:nvPr/>
+        </p:nvSpPr>
+        <p:spPr>
+          <a:xfrm>
+            <a:off x="306354" y="4162206"/>
+            <a:ext cx="1000987" cy="369332"/>
           </a:xfrm>
           <a:prstGeom prst="rect">
             <a:avLst/>
           </a:prstGeom>
-          <a:effectLst/>
+          <a:noFill/>
         </p:spPr>
-      </p:pic>
+        <p:txBody>
+          <a:bodyPr wrap="square" rtlCol="0">
+            <a:spAutoFit/>
+          </a:bodyPr>
+          <a:lstStyle/>
+          <a:p>
+            <a:r>
+              <a:rPr lang="en-US" altLang="ko-KR" dirty="0"/>
+              <a:t>145000</a:t>
+            </a:r>
+            <a:endParaRPr lang="ko-KR" altLang="en-US" dirty="0"/>
+          </a:p>
+        </p:txBody>
+      </p:sp>
+      <p:sp>
+        <p:nvSpPr>
+          <p:cNvPr id="32" name="TextBox 31">
+            <a:extLst>
+              <a:ext uri="{FF2B5EF4-FFF2-40B4-BE49-F238E27FC236}">
+                <a16:creationId xmlns:a16="http://schemas.microsoft.com/office/drawing/2014/main" id="{75DCC123-48D3-4385-8437-D8E4023BA6E9}"/>
+              </a:ext>
+            </a:extLst>
+          </p:cNvPr>
+          <p:cNvSpPr txBox="1"/>
+          <p:nvPr/>
+        </p:nvSpPr>
+        <p:spPr>
+          <a:xfrm>
+            <a:off x="822222" y="5590904"/>
+            <a:ext cx="1000987" cy="369332"/>
+          </a:xfrm>
+          <a:prstGeom prst="rect">
+            <a:avLst/>
+          </a:prstGeom>
+          <a:noFill/>
+        </p:spPr>
+        <p:txBody>
+          <a:bodyPr wrap="square" rtlCol="0">
+            <a:spAutoFit/>
+          </a:bodyPr>
+          <a:lstStyle/>
+          <a:p>
+            <a:r>
+              <a:rPr lang="en-US" altLang="ko-KR" dirty="0"/>
+              <a:t>155000</a:t>
+            </a:r>
+            <a:endParaRPr lang="ko-KR" altLang="en-US" dirty="0"/>
+          </a:p>
+        </p:txBody>
+      </p:sp>
+      <p:sp>
+        <p:nvSpPr>
+          <p:cNvPr id="33" name="TextBox 32">
+            <a:extLst>
+              <a:ext uri="{FF2B5EF4-FFF2-40B4-BE49-F238E27FC236}">
+                <a16:creationId xmlns:a16="http://schemas.microsoft.com/office/drawing/2014/main" id="{E100E703-10BE-460C-A7ED-4D2B886B9C25}"/>
+              </a:ext>
+            </a:extLst>
+          </p:cNvPr>
+          <p:cNvSpPr txBox="1"/>
+          <p:nvPr/>
+        </p:nvSpPr>
+        <p:spPr>
+          <a:xfrm>
+            <a:off x="1619297" y="5139751"/>
+            <a:ext cx="1000987" cy="369332"/>
+          </a:xfrm>
+          <a:prstGeom prst="rect">
+            <a:avLst/>
+          </a:prstGeom>
+          <a:noFill/>
+        </p:spPr>
+        <p:txBody>
+          <a:bodyPr wrap="square" rtlCol="0">
+            <a:spAutoFit/>
+          </a:bodyPr>
+          <a:lstStyle/>
+          <a:p>
+            <a:r>
+              <a:rPr lang="en-US" altLang="ko-KR" dirty="0"/>
+              <a:t>165000</a:t>
+            </a:r>
+            <a:endParaRPr lang="ko-KR" altLang="en-US" dirty="0"/>
+          </a:p>
+        </p:txBody>
+      </p:sp>
     </p:spTree>
     <p:extLst>
       <p:ext uri="{BB962C8B-B14F-4D97-AF65-F5344CB8AC3E}">
@@ -5545,6 +6464,2377 @@
       </p:grpSpPr>
       <p:sp>
         <p:nvSpPr>
+          <p:cNvPr id="2" name="제목 1">
+            <a:extLst>
+              <a:ext uri="{FF2B5EF4-FFF2-40B4-BE49-F238E27FC236}">
+                <a16:creationId xmlns:a16="http://schemas.microsoft.com/office/drawing/2014/main" id="{62C722CA-4D71-4272-B2BE-3DDB4F043366}"/>
+              </a:ext>
+            </a:extLst>
+          </p:cNvPr>
+          <p:cNvSpPr>
+            <a:spLocks noGrp="1"/>
+          </p:cNvSpPr>
+          <p:nvPr>
+            <p:ph type="title"/>
+          </p:nvPr>
+        </p:nvSpPr>
+        <p:spPr/>
+        <p:txBody>
+          <a:bodyPr/>
+          <a:lstStyle/>
+          <a:p>
+            <a:r>
+              <a:rPr lang="en-US" altLang="ko-KR" dirty="0"/>
+              <a:t>Multilayer</a:t>
+            </a:r>
+            <a:r>
+              <a:rPr lang="ko-KR" altLang="en-US" dirty="0"/>
+              <a:t> </a:t>
+            </a:r>
+            <a:r>
+              <a:rPr lang="en-US" altLang="ko-KR" dirty="0"/>
+              <a:t>Perceptron</a:t>
+            </a:r>
+            <a:r>
+              <a:rPr lang="ko-KR" altLang="en-US" dirty="0"/>
+              <a:t> </a:t>
+            </a:r>
+            <a:r>
+              <a:rPr lang="en-US" altLang="ko-KR" dirty="0"/>
+              <a:t>ANN (P. P.)</a:t>
+            </a:r>
+            <a:endParaRPr lang="ko-KR" altLang="en-US" dirty="0"/>
+          </a:p>
+        </p:txBody>
+      </p:sp>
+      <p:pic>
+        <p:nvPicPr>
+          <p:cNvPr id="6" name="그림 5">
+            <a:extLst>
+              <a:ext uri="{FF2B5EF4-FFF2-40B4-BE49-F238E27FC236}">
+                <a16:creationId xmlns:a16="http://schemas.microsoft.com/office/drawing/2014/main" id="{BBF8FCC0-1CAF-4CC9-A9F9-2C3E2AECEBD6}"/>
+              </a:ext>
+            </a:extLst>
+          </p:cNvPr>
+          <p:cNvPicPr/>
+          <p:nvPr/>
+        </p:nvPicPr>
+        <p:blipFill>
+          <a:blip r:embed="rId2"/>
+          <a:stretch>
+            <a:fillRect/>
+          </a:stretch>
+        </p:blipFill>
+        <p:spPr>
+          <a:xfrm>
+            <a:off x="1767522" y="2432389"/>
+            <a:ext cx="8656955" cy="2153072"/>
+          </a:xfrm>
+          <a:prstGeom prst="rect">
+            <a:avLst/>
+          </a:prstGeom>
+        </p:spPr>
+      </p:pic>
+      <p:sp>
+        <p:nvSpPr>
+          <p:cNvPr id="8" name="TextBox 7">
+            <a:extLst>
+              <a:ext uri="{FF2B5EF4-FFF2-40B4-BE49-F238E27FC236}">
+                <a16:creationId xmlns:a16="http://schemas.microsoft.com/office/drawing/2014/main" id="{DE1921DD-A784-4C41-931F-40DBAE1475F8}"/>
+              </a:ext>
+            </a:extLst>
+          </p:cNvPr>
+          <p:cNvSpPr txBox="1"/>
+          <p:nvPr/>
+        </p:nvSpPr>
+        <p:spPr>
+          <a:xfrm>
+            <a:off x="179754" y="5142496"/>
+            <a:ext cx="3032370" cy="369332"/>
+          </a:xfrm>
+          <a:prstGeom prst="rect">
+            <a:avLst/>
+          </a:prstGeom>
+          <a:noFill/>
+        </p:spPr>
+        <p:txBody>
+          <a:bodyPr wrap="square" rtlCol="0">
+            <a:spAutoFit/>
+          </a:bodyPr>
+          <a:lstStyle/>
+          <a:p>
+            <a:r>
+              <a:rPr lang="en-US" altLang="ko-KR" dirty="0"/>
+              <a:t>Dimension Reduced Input</a:t>
+            </a:r>
+            <a:endParaRPr lang="ko-KR" altLang="en-US" dirty="0"/>
+          </a:p>
+        </p:txBody>
+      </p:sp>
+      <p:sp>
+        <p:nvSpPr>
+          <p:cNvPr id="9" name="TextBox 8">
+            <a:extLst>
+              <a:ext uri="{FF2B5EF4-FFF2-40B4-BE49-F238E27FC236}">
+                <a16:creationId xmlns:a16="http://schemas.microsoft.com/office/drawing/2014/main" id="{9BEC331A-E15E-4F45-9E65-653EE3993DAF}"/>
+              </a:ext>
+            </a:extLst>
+          </p:cNvPr>
+          <p:cNvSpPr txBox="1"/>
+          <p:nvPr/>
+        </p:nvSpPr>
+        <p:spPr>
+          <a:xfrm>
+            <a:off x="3614616" y="5142496"/>
+            <a:ext cx="3032370" cy="369332"/>
+          </a:xfrm>
+          <a:prstGeom prst="rect">
+            <a:avLst/>
+          </a:prstGeom>
+          <a:noFill/>
+        </p:spPr>
+        <p:txBody>
+          <a:bodyPr wrap="square" rtlCol="0">
+            <a:spAutoFit/>
+          </a:bodyPr>
+          <a:lstStyle/>
+          <a:p>
+            <a:pPr algn="ctr"/>
+            <a:r>
+              <a:rPr lang="en-US" altLang="ko-KR" dirty="0"/>
+              <a:t>Sigmoid</a:t>
+            </a:r>
+            <a:endParaRPr lang="ko-KR" altLang="en-US" dirty="0"/>
+          </a:p>
+        </p:txBody>
+      </p:sp>
+      <p:cxnSp>
+        <p:nvCxnSpPr>
+          <p:cNvPr id="11" name="직선 화살표 연결선 10">
+            <a:extLst>
+              <a:ext uri="{FF2B5EF4-FFF2-40B4-BE49-F238E27FC236}">
+                <a16:creationId xmlns:a16="http://schemas.microsoft.com/office/drawing/2014/main" id="{75C0B2CF-CAE4-487D-A5E7-C0E62B7BFC41}"/>
+              </a:ext>
+            </a:extLst>
+          </p:cNvPr>
+          <p:cNvCxnSpPr>
+            <a:stCxn id="9" idx="0"/>
+          </p:cNvCxnSpPr>
+          <p:nvPr/>
+        </p:nvCxnSpPr>
+        <p:spPr>
+          <a:xfrm flipH="1" flipV="1">
+            <a:off x="4423508" y="4157785"/>
+            <a:ext cx="707293" cy="984711"/>
+          </a:xfrm>
+          <a:prstGeom prst="straightConnector1">
+            <a:avLst/>
+          </a:prstGeom>
+          <a:ln>
+            <a:tailEnd type="triangle"/>
+          </a:ln>
+        </p:spPr>
+        <p:style>
+          <a:lnRef idx="1">
+            <a:schemeClr val="accent1"/>
+          </a:lnRef>
+          <a:fillRef idx="0">
+            <a:schemeClr val="accent1"/>
+          </a:fillRef>
+          <a:effectRef idx="0">
+            <a:schemeClr val="accent1"/>
+          </a:effectRef>
+          <a:fontRef idx="minor">
+            <a:schemeClr val="tx1"/>
+          </a:fontRef>
+        </p:style>
+      </p:cxnSp>
+      <p:cxnSp>
+        <p:nvCxnSpPr>
+          <p:cNvPr id="13" name="직선 화살표 연결선 12">
+            <a:extLst>
+              <a:ext uri="{FF2B5EF4-FFF2-40B4-BE49-F238E27FC236}">
+                <a16:creationId xmlns:a16="http://schemas.microsoft.com/office/drawing/2014/main" id="{E909061A-D6DB-4D98-B250-FAFEE54B2A9E}"/>
+              </a:ext>
+            </a:extLst>
+          </p:cNvPr>
+          <p:cNvCxnSpPr>
+            <a:stCxn id="9" idx="0"/>
+          </p:cNvCxnSpPr>
+          <p:nvPr/>
+        </p:nvCxnSpPr>
+        <p:spPr>
+          <a:xfrm flipV="1">
+            <a:off x="5130801" y="4134338"/>
+            <a:ext cx="1191845" cy="1008158"/>
+          </a:xfrm>
+          <a:prstGeom prst="straightConnector1">
+            <a:avLst/>
+          </a:prstGeom>
+          <a:ln>
+            <a:tailEnd type="triangle"/>
+          </a:ln>
+        </p:spPr>
+        <p:style>
+          <a:lnRef idx="1">
+            <a:schemeClr val="accent1"/>
+          </a:lnRef>
+          <a:fillRef idx="0">
+            <a:schemeClr val="accent1"/>
+          </a:fillRef>
+          <a:effectRef idx="0">
+            <a:schemeClr val="accent1"/>
+          </a:effectRef>
+          <a:fontRef idx="minor">
+            <a:schemeClr val="tx1"/>
+          </a:fontRef>
+        </p:style>
+      </p:cxnSp>
+      <p:cxnSp>
+        <p:nvCxnSpPr>
+          <p:cNvPr id="15" name="직선 화살표 연결선 14">
+            <a:extLst>
+              <a:ext uri="{FF2B5EF4-FFF2-40B4-BE49-F238E27FC236}">
+                <a16:creationId xmlns:a16="http://schemas.microsoft.com/office/drawing/2014/main" id="{543F4B9D-9A09-4601-8625-ECD6D79830E8}"/>
+              </a:ext>
+            </a:extLst>
+          </p:cNvPr>
+          <p:cNvCxnSpPr>
+            <a:stCxn id="8" idx="0"/>
+          </p:cNvCxnSpPr>
+          <p:nvPr/>
+        </p:nvCxnSpPr>
+        <p:spPr>
+          <a:xfrm flipV="1">
+            <a:off x="1695939" y="4134338"/>
+            <a:ext cx="351692" cy="1008158"/>
+          </a:xfrm>
+          <a:prstGeom prst="straightConnector1">
+            <a:avLst/>
+          </a:prstGeom>
+          <a:ln>
+            <a:tailEnd type="triangle"/>
+          </a:ln>
+        </p:spPr>
+        <p:style>
+          <a:lnRef idx="1">
+            <a:schemeClr val="accent1"/>
+          </a:lnRef>
+          <a:fillRef idx="0">
+            <a:schemeClr val="accent1"/>
+          </a:fillRef>
+          <a:effectRef idx="0">
+            <a:schemeClr val="accent1"/>
+          </a:effectRef>
+          <a:fontRef idx="minor">
+            <a:schemeClr val="tx1"/>
+          </a:fontRef>
+        </p:style>
+      </p:cxnSp>
+      <p:sp>
+        <p:nvSpPr>
+          <p:cNvPr id="16" name="TextBox 15">
+            <a:extLst>
+              <a:ext uri="{FF2B5EF4-FFF2-40B4-BE49-F238E27FC236}">
+                <a16:creationId xmlns:a16="http://schemas.microsoft.com/office/drawing/2014/main" id="{EF058456-91F3-4C18-94EB-EEDBE5ACF7C0}"/>
+              </a:ext>
+            </a:extLst>
+          </p:cNvPr>
+          <p:cNvSpPr txBox="1"/>
+          <p:nvPr/>
+        </p:nvSpPr>
+        <p:spPr>
+          <a:xfrm>
+            <a:off x="7029939" y="5131750"/>
+            <a:ext cx="3032370" cy="369332"/>
+          </a:xfrm>
+          <a:prstGeom prst="rect">
+            <a:avLst/>
+          </a:prstGeom>
+          <a:noFill/>
+        </p:spPr>
+        <p:txBody>
+          <a:bodyPr wrap="square" rtlCol="0">
+            <a:spAutoFit/>
+          </a:bodyPr>
+          <a:lstStyle/>
+          <a:p>
+            <a:pPr algn="ctr"/>
+            <a:r>
+              <a:rPr lang="en-US" altLang="ko-KR" dirty="0"/>
+              <a:t>Linear</a:t>
+            </a:r>
+            <a:endParaRPr lang="ko-KR" altLang="en-US" dirty="0"/>
+          </a:p>
+        </p:txBody>
+      </p:sp>
+      <p:cxnSp>
+        <p:nvCxnSpPr>
+          <p:cNvPr id="18" name="직선 화살표 연결선 17">
+            <a:extLst>
+              <a:ext uri="{FF2B5EF4-FFF2-40B4-BE49-F238E27FC236}">
+                <a16:creationId xmlns:a16="http://schemas.microsoft.com/office/drawing/2014/main" id="{9DEB7D71-AD81-4750-92E2-EEF93B5BBBF5}"/>
+              </a:ext>
+            </a:extLst>
+          </p:cNvPr>
+          <p:cNvCxnSpPr>
+            <a:stCxn id="16" idx="0"/>
+          </p:cNvCxnSpPr>
+          <p:nvPr/>
+        </p:nvCxnSpPr>
+        <p:spPr>
+          <a:xfrm flipV="1">
+            <a:off x="8546124" y="4157785"/>
+            <a:ext cx="191476" cy="973965"/>
+          </a:xfrm>
+          <a:prstGeom prst="straightConnector1">
+            <a:avLst/>
+          </a:prstGeom>
+          <a:ln>
+            <a:tailEnd type="triangle"/>
+          </a:ln>
+        </p:spPr>
+        <p:style>
+          <a:lnRef idx="1">
+            <a:schemeClr val="accent1"/>
+          </a:lnRef>
+          <a:fillRef idx="0">
+            <a:schemeClr val="accent1"/>
+          </a:fillRef>
+          <a:effectRef idx="0">
+            <a:schemeClr val="accent1"/>
+          </a:effectRef>
+          <a:fontRef idx="minor">
+            <a:schemeClr val="tx1"/>
+          </a:fontRef>
+        </p:style>
+      </p:cxnSp>
+    </p:spTree>
+    <p:extLst>
+      <p:ext uri="{BB962C8B-B14F-4D97-AF65-F5344CB8AC3E}">
+        <p14:creationId xmlns:p14="http://schemas.microsoft.com/office/powerpoint/2010/main" val="1247375421"/>
+      </p:ext>
+    </p:extLst>
+  </p:cSld>
+  <p:clrMapOvr>
+    <a:masterClrMapping/>
+  </p:clrMapOvr>
+</p:sld>
+</file>
+
+<file path=ppt/slides/slide7.xml><?xml version="1.0" encoding="utf-8"?>
+<p:sld xmlns:a="http://schemas.openxmlformats.org/drawingml/2006/main" xmlns:r="http://schemas.openxmlformats.org/officeDocument/2006/relationships" xmlns:p="http://schemas.openxmlformats.org/presentationml/2006/main">
+  <p:cSld>
+    <p:spTree>
+      <p:nvGrpSpPr>
+        <p:cNvPr id="1" name=""/>
+        <p:cNvGrpSpPr/>
+        <p:nvPr/>
+      </p:nvGrpSpPr>
+      <p:grpSpPr>
+        <a:xfrm>
+          <a:off x="0" y="0"/>
+          <a:ext cx="0" cy="0"/>
+          <a:chOff x="0" y="0"/>
+          <a:chExt cx="0" cy="0"/>
+        </a:xfrm>
+      </p:grpSpPr>
+      <p:sp>
+        <p:nvSpPr>
+          <p:cNvPr id="2" name="제목 1">
+            <a:extLst>
+              <a:ext uri="{FF2B5EF4-FFF2-40B4-BE49-F238E27FC236}">
+                <a16:creationId xmlns:a16="http://schemas.microsoft.com/office/drawing/2014/main" id="{B2F41C22-F733-4AC6-8EF7-8B69C103C7AD}"/>
+              </a:ext>
+            </a:extLst>
+          </p:cNvPr>
+          <p:cNvSpPr>
+            <a:spLocks noGrp="1"/>
+          </p:cNvSpPr>
+          <p:nvPr>
+            <p:ph type="title"/>
+          </p:nvPr>
+        </p:nvSpPr>
+        <p:spPr/>
+        <p:txBody>
+          <a:bodyPr/>
+          <a:lstStyle/>
+          <a:p>
+            <a:r>
+              <a:rPr lang="en-US" altLang="ko-KR" dirty="0"/>
+              <a:t>MLP </a:t>
+            </a:r>
+            <a:endParaRPr lang="ko-KR" altLang="en-US" dirty="0"/>
+          </a:p>
+        </p:txBody>
+      </p:sp>
+      <p:sp>
+        <p:nvSpPr>
+          <p:cNvPr id="3" name="내용 개체 틀 2">
+            <a:extLst>
+              <a:ext uri="{FF2B5EF4-FFF2-40B4-BE49-F238E27FC236}">
+                <a16:creationId xmlns:a16="http://schemas.microsoft.com/office/drawing/2014/main" id="{CA586BE3-1B8C-4F3D-BD31-7E5D7BE60D9D}"/>
+              </a:ext>
+            </a:extLst>
+          </p:cNvPr>
+          <p:cNvSpPr>
+            <a:spLocks noGrp="1"/>
+          </p:cNvSpPr>
+          <p:nvPr>
+            <p:ph idx="1"/>
+          </p:nvPr>
+        </p:nvSpPr>
+        <p:spPr/>
+        <p:txBody>
+          <a:bodyPr/>
+          <a:lstStyle/>
+          <a:p>
+            <a:r>
+              <a:rPr lang="en-US" altLang="ko-KR" dirty="0"/>
+              <a:t>Loss Function=MSE</a:t>
+            </a:r>
+            <a:endParaRPr lang="ko-KR" altLang="en-US" dirty="0"/>
+          </a:p>
+        </p:txBody>
+      </p:sp>
+      <p:pic>
+        <p:nvPicPr>
+          <p:cNvPr id="4" name="그림 3">
+            <a:extLst>
+              <a:ext uri="{FF2B5EF4-FFF2-40B4-BE49-F238E27FC236}">
+                <a16:creationId xmlns:a16="http://schemas.microsoft.com/office/drawing/2014/main" id="{BA1A6DFC-09CA-4525-B19F-8043A49F88EC}"/>
+              </a:ext>
+            </a:extLst>
+          </p:cNvPr>
+          <p:cNvPicPr/>
+          <p:nvPr/>
+        </p:nvPicPr>
+        <p:blipFill>
+          <a:blip r:embed="rId2">
+            <a:extLst>
+              <a:ext uri="{28A0092B-C50C-407E-A947-70E740481C1C}">
+                <a14:useLocalDpi xmlns:a14="http://schemas.microsoft.com/office/drawing/2010/main" val="0"/>
+              </a:ext>
+            </a:extLst>
+          </a:blip>
+          <a:srcRect/>
+          <a:stretch>
+            <a:fillRect/>
+          </a:stretch>
+        </p:blipFill>
+        <p:spPr bwMode="auto">
+          <a:xfrm>
+            <a:off x="182562" y="2615530"/>
+            <a:ext cx="5324475" cy="3162300"/>
+          </a:xfrm>
+          <a:prstGeom prst="rect">
+            <a:avLst/>
+          </a:prstGeom>
+          <a:noFill/>
+          <a:ln>
+            <a:noFill/>
+          </a:ln>
+        </p:spPr>
+      </p:pic>
+      <p:graphicFrame>
+        <p:nvGraphicFramePr>
+          <p:cNvPr id="6" name="표 5">
+            <a:extLst>
+              <a:ext uri="{FF2B5EF4-FFF2-40B4-BE49-F238E27FC236}">
+                <a16:creationId xmlns:a16="http://schemas.microsoft.com/office/drawing/2014/main" id="{6A74A108-F4CA-4D4A-A527-E56CFC5A988D}"/>
+              </a:ext>
+            </a:extLst>
+          </p:cNvPr>
+          <p:cNvGraphicFramePr>
+            <a:graphicFrameLocks noGrp="1"/>
+          </p:cNvGraphicFramePr>
+          <p:nvPr>
+            <p:extLst>
+              <p:ext uri="{D42A27DB-BD31-4B8C-83A1-F6EECF244321}">
+                <p14:modId xmlns:p14="http://schemas.microsoft.com/office/powerpoint/2010/main" val="2951632114"/>
+              </p:ext>
+            </p:extLst>
+          </p:nvPr>
+        </p:nvGraphicFramePr>
+        <p:xfrm>
+          <a:off x="5358448" y="3408839"/>
+          <a:ext cx="6650990" cy="1184910"/>
+        </p:xfrm>
+        <a:graphic>
+          <a:graphicData uri="http://schemas.openxmlformats.org/drawingml/2006/table">
+            <a:tbl>
+              <a:tblPr firstRow="1" firstCol="1" bandRow="1">
+                <a:tableStyleId>{5C22544A-7EE6-4342-B048-85BDC9FD1C3A}</a:tableStyleId>
+              </a:tblPr>
+              <a:tblGrid>
+                <a:gridCol w="627380">
+                  <a:extLst>
+                    <a:ext uri="{9D8B030D-6E8A-4147-A177-3AD203B41FA5}">
+                      <a16:colId xmlns:a16="http://schemas.microsoft.com/office/drawing/2014/main" val="3280849151"/>
+                    </a:ext>
+                  </a:extLst>
+                </a:gridCol>
+                <a:gridCol w="539750">
+                  <a:extLst>
+                    <a:ext uri="{9D8B030D-6E8A-4147-A177-3AD203B41FA5}">
+                      <a16:colId xmlns:a16="http://schemas.microsoft.com/office/drawing/2014/main" val="3869768776"/>
+                    </a:ext>
+                  </a:extLst>
+                </a:gridCol>
+                <a:gridCol w="723900">
+                  <a:extLst>
+                    <a:ext uri="{9D8B030D-6E8A-4147-A177-3AD203B41FA5}">
+                      <a16:colId xmlns:a16="http://schemas.microsoft.com/office/drawing/2014/main" val="3199956000"/>
+                    </a:ext>
+                  </a:extLst>
+                </a:gridCol>
+                <a:gridCol w="629920">
+                  <a:extLst>
+                    <a:ext uri="{9D8B030D-6E8A-4147-A177-3AD203B41FA5}">
+                      <a16:colId xmlns:a16="http://schemas.microsoft.com/office/drawing/2014/main" val="2654566173"/>
+                    </a:ext>
+                  </a:extLst>
+                </a:gridCol>
+                <a:gridCol w="990600">
+                  <a:extLst>
+                    <a:ext uri="{9D8B030D-6E8A-4147-A177-3AD203B41FA5}">
+                      <a16:colId xmlns:a16="http://schemas.microsoft.com/office/drawing/2014/main" val="3370397082"/>
+                    </a:ext>
+                  </a:extLst>
+                </a:gridCol>
+                <a:gridCol w="629920">
+                  <a:extLst>
+                    <a:ext uri="{9D8B030D-6E8A-4147-A177-3AD203B41FA5}">
+                      <a16:colId xmlns:a16="http://schemas.microsoft.com/office/drawing/2014/main" val="536123971"/>
+                    </a:ext>
+                  </a:extLst>
+                </a:gridCol>
+                <a:gridCol w="723900">
+                  <a:extLst>
+                    <a:ext uri="{9D8B030D-6E8A-4147-A177-3AD203B41FA5}">
+                      <a16:colId xmlns:a16="http://schemas.microsoft.com/office/drawing/2014/main" val="3805779864"/>
+                    </a:ext>
+                  </a:extLst>
+                </a:gridCol>
+                <a:gridCol w="723900">
+                  <a:extLst>
+                    <a:ext uri="{9D8B030D-6E8A-4147-A177-3AD203B41FA5}">
+                      <a16:colId xmlns:a16="http://schemas.microsoft.com/office/drawing/2014/main" val="2719203241"/>
+                    </a:ext>
+                  </a:extLst>
+                </a:gridCol>
+                <a:gridCol w="1061720">
+                  <a:extLst>
+                    <a:ext uri="{9D8B030D-6E8A-4147-A177-3AD203B41FA5}">
+                      <a16:colId xmlns:a16="http://schemas.microsoft.com/office/drawing/2014/main" val="2633623869"/>
+                    </a:ext>
+                  </a:extLst>
+                </a:gridCol>
+              </a:tblGrid>
+              <a:tr h="171450">
+                <a:tc>
+                  <a:txBody>
+                    <a:bodyPr/>
+                    <a:lstStyle/>
+                    <a:p>
+                      <a:pPr algn="just" latinLnBrk="1">
+                        <a:lnSpc>
+                          <a:spcPct val="107000"/>
+                        </a:lnSpc>
+                        <a:spcAft>
+                          <a:spcPts val="0"/>
+                        </a:spcAft>
+                      </a:pPr>
+                      <a:r>
+                        <a:rPr lang="en-US" sz="1000" kern="100" dirty="0">
+                          <a:effectLst/>
+                        </a:rPr>
+                        <a:t> </a:t>
+                      </a:r>
+                      <a:endParaRPr lang="ko-KR" sz="1000" kern="100" dirty="0">
+                        <a:effectLst/>
+                        <a:latin typeface="맑은 고딕" panose="020B0503020000020004" pitchFamily="50" charset="-127"/>
+                        <a:ea typeface="맑은 고딕" panose="020B0503020000020004" pitchFamily="50" charset="-127"/>
+                        <a:cs typeface="Times New Roman" panose="02020603050405020304" pitchFamily="18" charset="0"/>
+                      </a:endParaRPr>
+                    </a:p>
+                  </a:txBody>
+                  <a:tcPr marL="68580" marR="68580" marT="0" marB="0"/>
+                </a:tc>
+                <a:tc gridSpan="4">
+                  <a:txBody>
+                    <a:bodyPr/>
+                    <a:lstStyle/>
+                    <a:p>
+                      <a:pPr algn="just" latinLnBrk="1">
+                        <a:lnSpc>
+                          <a:spcPct val="107000"/>
+                        </a:lnSpc>
+                        <a:spcAft>
+                          <a:spcPts val="0"/>
+                        </a:spcAft>
+                      </a:pPr>
+                      <a:r>
+                        <a:rPr lang="en-US" sz="1000" kern="100" dirty="0">
+                          <a:effectLst/>
+                        </a:rPr>
+                        <a:t>Training</a:t>
+                      </a:r>
+                      <a:endParaRPr lang="ko-KR" sz="1000" kern="100" dirty="0">
+                        <a:effectLst/>
+                        <a:latin typeface="맑은 고딕" panose="020B0503020000020004" pitchFamily="50" charset="-127"/>
+                        <a:ea typeface="맑은 고딕" panose="020B0503020000020004" pitchFamily="50" charset="-127"/>
+                        <a:cs typeface="Times New Roman" panose="02020603050405020304" pitchFamily="18" charset="0"/>
+                      </a:endParaRPr>
+                    </a:p>
+                  </a:txBody>
+                  <a:tcPr marL="68580" marR="68580" marT="0" marB="0"/>
+                </a:tc>
+                <a:tc hMerge="1">
+                  <a:txBody>
+                    <a:bodyPr/>
+                    <a:lstStyle/>
+                    <a:p>
+                      <a:pPr latinLnBrk="1"/>
+                      <a:endParaRPr lang="ko-KR" altLang="en-US"/>
+                    </a:p>
+                  </a:txBody>
+                  <a:tcPr/>
+                </a:tc>
+                <a:tc hMerge="1">
+                  <a:txBody>
+                    <a:bodyPr/>
+                    <a:lstStyle/>
+                    <a:p>
+                      <a:pPr latinLnBrk="1"/>
+                      <a:endParaRPr lang="ko-KR" altLang="en-US"/>
+                    </a:p>
+                  </a:txBody>
+                  <a:tcPr/>
+                </a:tc>
+                <a:tc hMerge="1">
+                  <a:txBody>
+                    <a:bodyPr/>
+                    <a:lstStyle/>
+                    <a:p>
+                      <a:pPr latinLnBrk="1"/>
+                      <a:endParaRPr lang="ko-KR" altLang="en-US"/>
+                    </a:p>
+                  </a:txBody>
+                  <a:tcPr/>
+                </a:tc>
+                <a:tc gridSpan="4">
+                  <a:txBody>
+                    <a:bodyPr/>
+                    <a:lstStyle/>
+                    <a:p>
+                      <a:pPr algn="just" latinLnBrk="1">
+                        <a:lnSpc>
+                          <a:spcPct val="107000"/>
+                        </a:lnSpc>
+                        <a:spcAft>
+                          <a:spcPts val="0"/>
+                        </a:spcAft>
+                      </a:pPr>
+                      <a:r>
+                        <a:rPr lang="en-US" sz="1000" kern="100">
+                          <a:effectLst/>
+                        </a:rPr>
+                        <a:t>Test</a:t>
+                      </a:r>
+                      <a:endParaRPr lang="ko-KR" sz="1000" kern="100">
+                        <a:effectLst/>
+                        <a:latin typeface="맑은 고딕" panose="020B0503020000020004" pitchFamily="50" charset="-127"/>
+                        <a:ea typeface="맑은 고딕" panose="020B0503020000020004" pitchFamily="50" charset="-127"/>
+                        <a:cs typeface="Times New Roman" panose="02020603050405020304" pitchFamily="18" charset="0"/>
+                      </a:endParaRPr>
+                    </a:p>
+                  </a:txBody>
+                  <a:tcPr marL="68580" marR="68580" marT="0" marB="0"/>
+                </a:tc>
+                <a:tc hMerge="1">
+                  <a:txBody>
+                    <a:bodyPr/>
+                    <a:lstStyle/>
+                    <a:p>
+                      <a:pPr latinLnBrk="1"/>
+                      <a:endParaRPr lang="ko-KR" altLang="en-US"/>
+                    </a:p>
+                  </a:txBody>
+                  <a:tcPr/>
+                </a:tc>
+                <a:tc hMerge="1">
+                  <a:txBody>
+                    <a:bodyPr/>
+                    <a:lstStyle/>
+                    <a:p>
+                      <a:pPr latinLnBrk="1"/>
+                      <a:endParaRPr lang="ko-KR" altLang="en-US"/>
+                    </a:p>
+                  </a:txBody>
+                  <a:tcPr/>
+                </a:tc>
+                <a:tc hMerge="1">
+                  <a:txBody>
+                    <a:bodyPr/>
+                    <a:lstStyle/>
+                    <a:p>
+                      <a:pPr latinLnBrk="1"/>
+                      <a:endParaRPr lang="ko-KR" altLang="en-US"/>
+                    </a:p>
+                  </a:txBody>
+                  <a:tcPr/>
+                </a:tc>
+                <a:extLst>
+                  <a:ext uri="{0D108BD9-81ED-4DB2-BD59-A6C34878D82A}">
+                    <a16:rowId xmlns:a16="http://schemas.microsoft.com/office/drawing/2014/main" val="3975353507"/>
+                  </a:ext>
+                </a:extLst>
+              </a:tr>
+              <a:tr h="163830">
+                <a:tc>
+                  <a:txBody>
+                    <a:bodyPr/>
+                    <a:lstStyle/>
+                    <a:p>
+                      <a:pPr algn="just" latinLnBrk="1">
+                        <a:lnSpc>
+                          <a:spcPct val="107000"/>
+                        </a:lnSpc>
+                        <a:spcAft>
+                          <a:spcPts val="0"/>
+                        </a:spcAft>
+                      </a:pPr>
+                      <a:r>
+                        <a:rPr lang="en-US" sz="1000" kern="100" dirty="0">
+                          <a:effectLst/>
+                        </a:rPr>
+                        <a:t>epochs</a:t>
+                      </a:r>
+                      <a:endParaRPr lang="ko-KR" sz="1000" kern="100" dirty="0">
+                        <a:effectLst/>
+                        <a:latin typeface="맑은 고딕" panose="020B0503020000020004" pitchFamily="50" charset="-127"/>
+                        <a:ea typeface="맑은 고딕" panose="020B0503020000020004" pitchFamily="50" charset="-127"/>
+                        <a:cs typeface="Times New Roman" panose="02020603050405020304" pitchFamily="18" charset="0"/>
+                      </a:endParaRPr>
+                    </a:p>
+                  </a:txBody>
+                  <a:tcPr marL="68580" marR="68580" marT="0" marB="0"/>
+                </a:tc>
+                <a:tc>
+                  <a:txBody>
+                    <a:bodyPr/>
+                    <a:lstStyle/>
+                    <a:p>
+                      <a:pPr algn="just" latinLnBrk="1">
+                        <a:lnSpc>
+                          <a:spcPct val="107000"/>
+                        </a:lnSpc>
+                        <a:spcAft>
+                          <a:spcPts val="0"/>
+                        </a:spcAft>
+                      </a:pPr>
+                      <a:r>
+                        <a:rPr lang="en-US" sz="1000" kern="100">
+                          <a:effectLst/>
+                        </a:rPr>
+                        <a:t>Bias</a:t>
+                      </a:r>
+                      <a:endParaRPr lang="ko-KR" sz="1000" kern="100">
+                        <a:effectLst/>
+                        <a:latin typeface="맑은 고딕" panose="020B0503020000020004" pitchFamily="50" charset="-127"/>
+                        <a:ea typeface="맑은 고딕" panose="020B0503020000020004" pitchFamily="50" charset="-127"/>
+                        <a:cs typeface="Times New Roman" panose="02020603050405020304" pitchFamily="18" charset="0"/>
+                      </a:endParaRPr>
+                    </a:p>
+                  </a:txBody>
+                  <a:tcPr marL="68580" marR="68580" marT="0" marB="0"/>
+                </a:tc>
+                <a:tc>
+                  <a:txBody>
+                    <a:bodyPr/>
+                    <a:lstStyle/>
+                    <a:p>
+                      <a:pPr algn="just" latinLnBrk="1">
+                        <a:lnSpc>
+                          <a:spcPct val="107000"/>
+                        </a:lnSpc>
+                        <a:spcAft>
+                          <a:spcPts val="0"/>
+                        </a:spcAft>
+                      </a:pPr>
+                      <a:r>
+                        <a:rPr lang="en-US" sz="1000" kern="100">
+                          <a:effectLst/>
+                        </a:rPr>
+                        <a:t>MD</a:t>
+                      </a:r>
+                      <a:endParaRPr lang="ko-KR" sz="1000" kern="100">
+                        <a:effectLst/>
+                        <a:latin typeface="맑은 고딕" panose="020B0503020000020004" pitchFamily="50" charset="-127"/>
+                        <a:ea typeface="맑은 고딕" panose="020B0503020000020004" pitchFamily="50" charset="-127"/>
+                        <a:cs typeface="Times New Roman" panose="02020603050405020304" pitchFamily="18" charset="0"/>
+                      </a:endParaRPr>
+                    </a:p>
+                  </a:txBody>
+                  <a:tcPr marL="68580" marR="68580" marT="0" marB="0"/>
+                </a:tc>
+                <a:tc>
+                  <a:txBody>
+                    <a:bodyPr/>
+                    <a:lstStyle/>
+                    <a:p>
+                      <a:pPr algn="just" latinLnBrk="1">
+                        <a:lnSpc>
+                          <a:spcPct val="107000"/>
+                        </a:lnSpc>
+                        <a:spcAft>
+                          <a:spcPts val="0"/>
+                        </a:spcAft>
+                      </a:pPr>
+                      <a:r>
+                        <a:rPr lang="en-US" sz="1000" kern="100">
+                          <a:effectLst/>
+                        </a:rPr>
+                        <a:t>MAD</a:t>
+                      </a:r>
+                      <a:endParaRPr lang="ko-KR" sz="1000" kern="100">
+                        <a:effectLst/>
+                        <a:latin typeface="맑은 고딕" panose="020B0503020000020004" pitchFamily="50" charset="-127"/>
+                        <a:ea typeface="맑은 고딕" panose="020B0503020000020004" pitchFamily="50" charset="-127"/>
+                        <a:cs typeface="Times New Roman" panose="02020603050405020304" pitchFamily="18" charset="0"/>
+                      </a:endParaRPr>
+                    </a:p>
+                  </a:txBody>
+                  <a:tcPr marL="68580" marR="68580" marT="0" marB="0"/>
+                </a:tc>
+                <a:tc>
+                  <a:txBody>
+                    <a:bodyPr/>
+                    <a:lstStyle/>
+                    <a:p>
+                      <a:pPr algn="just" latinLnBrk="1">
+                        <a:lnSpc>
+                          <a:spcPct val="107000"/>
+                        </a:lnSpc>
+                        <a:spcAft>
+                          <a:spcPts val="0"/>
+                        </a:spcAft>
+                      </a:pPr>
+                      <a:r>
+                        <a:rPr lang="en-US" sz="1000" kern="100">
+                          <a:effectLst/>
+                        </a:rPr>
+                        <a:t>MSE</a:t>
+                      </a:r>
+                      <a:endParaRPr lang="ko-KR" sz="1000" kern="100">
+                        <a:effectLst/>
+                        <a:latin typeface="맑은 고딕" panose="020B0503020000020004" pitchFamily="50" charset="-127"/>
+                        <a:ea typeface="맑은 고딕" panose="020B0503020000020004" pitchFamily="50" charset="-127"/>
+                        <a:cs typeface="Times New Roman" panose="02020603050405020304" pitchFamily="18" charset="0"/>
+                      </a:endParaRPr>
+                    </a:p>
+                  </a:txBody>
+                  <a:tcPr marL="68580" marR="68580" marT="0" marB="0"/>
+                </a:tc>
+                <a:tc>
+                  <a:txBody>
+                    <a:bodyPr/>
+                    <a:lstStyle/>
+                    <a:p>
+                      <a:pPr algn="just" latinLnBrk="1">
+                        <a:lnSpc>
+                          <a:spcPct val="107000"/>
+                        </a:lnSpc>
+                        <a:spcAft>
+                          <a:spcPts val="0"/>
+                        </a:spcAft>
+                      </a:pPr>
+                      <a:r>
+                        <a:rPr lang="en-US" sz="1000" kern="100">
+                          <a:effectLst/>
+                        </a:rPr>
+                        <a:t>Bias</a:t>
+                      </a:r>
+                      <a:endParaRPr lang="ko-KR" sz="1000" kern="100">
+                        <a:effectLst/>
+                        <a:latin typeface="맑은 고딕" panose="020B0503020000020004" pitchFamily="50" charset="-127"/>
+                        <a:ea typeface="맑은 고딕" panose="020B0503020000020004" pitchFamily="50" charset="-127"/>
+                        <a:cs typeface="Times New Roman" panose="02020603050405020304" pitchFamily="18" charset="0"/>
+                      </a:endParaRPr>
+                    </a:p>
+                  </a:txBody>
+                  <a:tcPr marL="68580" marR="68580" marT="0" marB="0"/>
+                </a:tc>
+                <a:tc>
+                  <a:txBody>
+                    <a:bodyPr/>
+                    <a:lstStyle/>
+                    <a:p>
+                      <a:pPr algn="just" latinLnBrk="1">
+                        <a:lnSpc>
+                          <a:spcPct val="107000"/>
+                        </a:lnSpc>
+                        <a:spcAft>
+                          <a:spcPts val="0"/>
+                        </a:spcAft>
+                      </a:pPr>
+                      <a:r>
+                        <a:rPr lang="en-US" sz="1000" kern="100">
+                          <a:effectLst/>
+                        </a:rPr>
+                        <a:t>MD</a:t>
+                      </a:r>
+                      <a:endParaRPr lang="ko-KR" sz="1000" kern="100">
+                        <a:effectLst/>
+                        <a:latin typeface="맑은 고딕" panose="020B0503020000020004" pitchFamily="50" charset="-127"/>
+                        <a:ea typeface="맑은 고딕" panose="020B0503020000020004" pitchFamily="50" charset="-127"/>
+                        <a:cs typeface="Times New Roman" panose="02020603050405020304" pitchFamily="18" charset="0"/>
+                      </a:endParaRPr>
+                    </a:p>
+                  </a:txBody>
+                  <a:tcPr marL="68580" marR="68580" marT="0" marB="0"/>
+                </a:tc>
+                <a:tc>
+                  <a:txBody>
+                    <a:bodyPr/>
+                    <a:lstStyle/>
+                    <a:p>
+                      <a:pPr algn="just" latinLnBrk="1">
+                        <a:lnSpc>
+                          <a:spcPct val="107000"/>
+                        </a:lnSpc>
+                        <a:spcAft>
+                          <a:spcPts val="0"/>
+                        </a:spcAft>
+                      </a:pPr>
+                      <a:r>
+                        <a:rPr lang="en-US" sz="1000" kern="100">
+                          <a:effectLst/>
+                        </a:rPr>
+                        <a:t>MAD</a:t>
+                      </a:r>
+                      <a:endParaRPr lang="ko-KR" sz="1000" kern="100">
+                        <a:effectLst/>
+                        <a:latin typeface="맑은 고딕" panose="020B0503020000020004" pitchFamily="50" charset="-127"/>
+                        <a:ea typeface="맑은 고딕" panose="020B0503020000020004" pitchFamily="50" charset="-127"/>
+                        <a:cs typeface="Times New Roman" panose="02020603050405020304" pitchFamily="18" charset="0"/>
+                      </a:endParaRPr>
+                    </a:p>
+                  </a:txBody>
+                  <a:tcPr marL="68580" marR="68580" marT="0" marB="0"/>
+                </a:tc>
+                <a:tc>
+                  <a:txBody>
+                    <a:bodyPr/>
+                    <a:lstStyle/>
+                    <a:p>
+                      <a:pPr algn="just" latinLnBrk="1">
+                        <a:lnSpc>
+                          <a:spcPct val="107000"/>
+                        </a:lnSpc>
+                        <a:spcAft>
+                          <a:spcPts val="0"/>
+                        </a:spcAft>
+                      </a:pPr>
+                      <a:r>
+                        <a:rPr lang="en-US" sz="1000" kern="100">
+                          <a:effectLst/>
+                        </a:rPr>
+                        <a:t>MSE</a:t>
+                      </a:r>
+                      <a:endParaRPr lang="ko-KR" sz="1000" kern="100">
+                        <a:effectLst/>
+                        <a:latin typeface="맑은 고딕" panose="020B0503020000020004" pitchFamily="50" charset="-127"/>
+                        <a:ea typeface="맑은 고딕" panose="020B0503020000020004" pitchFamily="50" charset="-127"/>
+                        <a:cs typeface="Times New Roman" panose="02020603050405020304" pitchFamily="18" charset="0"/>
+                      </a:endParaRPr>
+                    </a:p>
+                  </a:txBody>
+                  <a:tcPr marL="68580" marR="68580" marT="0" marB="0"/>
+                </a:tc>
+                <a:extLst>
+                  <a:ext uri="{0D108BD9-81ED-4DB2-BD59-A6C34878D82A}">
+                    <a16:rowId xmlns:a16="http://schemas.microsoft.com/office/drawing/2014/main" val="937068947"/>
+                  </a:ext>
+                </a:extLst>
+              </a:tr>
+              <a:tr h="171450">
+                <a:tc>
+                  <a:txBody>
+                    <a:bodyPr/>
+                    <a:lstStyle/>
+                    <a:p>
+                      <a:pPr algn="just" latinLnBrk="1">
+                        <a:lnSpc>
+                          <a:spcPct val="107000"/>
+                        </a:lnSpc>
+                        <a:spcAft>
+                          <a:spcPts val="0"/>
+                        </a:spcAft>
+                      </a:pPr>
+                      <a:r>
+                        <a:rPr lang="en-US" sz="1000" kern="100" dirty="0">
+                          <a:effectLst/>
+                        </a:rPr>
+                        <a:t>1</a:t>
+                      </a:r>
+                      <a:endParaRPr lang="ko-KR" sz="1000" kern="100" dirty="0">
+                        <a:effectLst/>
+                        <a:latin typeface="맑은 고딕" panose="020B0503020000020004" pitchFamily="50" charset="-127"/>
+                        <a:ea typeface="맑은 고딕" panose="020B0503020000020004" pitchFamily="50" charset="-127"/>
+                        <a:cs typeface="Times New Roman" panose="02020603050405020304" pitchFamily="18" charset="0"/>
+                      </a:endParaRPr>
+                    </a:p>
+                  </a:txBody>
+                  <a:tcPr marL="68580" marR="68580" marT="0" marB="0"/>
+                </a:tc>
+                <a:tc>
+                  <a:txBody>
+                    <a:bodyPr/>
+                    <a:lstStyle/>
+                    <a:p>
+                      <a:pPr algn="just" latinLnBrk="1">
+                        <a:lnSpc>
+                          <a:spcPct val="107000"/>
+                        </a:lnSpc>
+                        <a:spcAft>
+                          <a:spcPts val="0"/>
+                        </a:spcAft>
+                      </a:pPr>
+                      <a:r>
+                        <a:rPr lang="en-US" sz="1000" kern="100">
+                          <a:effectLst/>
+                        </a:rPr>
+                        <a:t>11.7</a:t>
+                      </a:r>
+                      <a:endParaRPr lang="ko-KR" sz="1000" kern="100">
+                        <a:effectLst/>
+                        <a:latin typeface="맑은 고딕" panose="020B0503020000020004" pitchFamily="50" charset="-127"/>
+                        <a:ea typeface="맑은 고딕" panose="020B0503020000020004" pitchFamily="50" charset="-127"/>
+                        <a:cs typeface="Times New Roman" panose="02020603050405020304" pitchFamily="18" charset="0"/>
+                      </a:endParaRPr>
+                    </a:p>
+                  </a:txBody>
+                  <a:tcPr marL="68580" marR="68580" marT="0" marB="0"/>
+                </a:tc>
+                <a:tc>
+                  <a:txBody>
+                    <a:bodyPr/>
+                    <a:lstStyle/>
+                    <a:p>
+                      <a:pPr algn="just" latinLnBrk="1">
+                        <a:lnSpc>
+                          <a:spcPct val="107000"/>
+                        </a:lnSpc>
+                        <a:spcAft>
+                          <a:spcPts val="0"/>
+                        </a:spcAft>
+                      </a:pPr>
+                      <a:r>
+                        <a:rPr lang="en-US" sz="1000" kern="100">
+                          <a:effectLst/>
+                        </a:rPr>
+                        <a:t>504471.4</a:t>
+                      </a:r>
+                      <a:endParaRPr lang="ko-KR" sz="1000" kern="100">
+                        <a:effectLst/>
+                        <a:latin typeface="맑은 고딕" panose="020B0503020000020004" pitchFamily="50" charset="-127"/>
+                        <a:ea typeface="맑은 고딕" panose="020B0503020000020004" pitchFamily="50" charset="-127"/>
+                        <a:cs typeface="Times New Roman" panose="02020603050405020304" pitchFamily="18" charset="0"/>
+                      </a:endParaRPr>
+                    </a:p>
+                  </a:txBody>
+                  <a:tcPr marL="68580" marR="68580" marT="0" marB="0"/>
+                </a:tc>
+                <a:tc>
+                  <a:txBody>
+                    <a:bodyPr/>
+                    <a:lstStyle/>
+                    <a:p>
+                      <a:pPr algn="just" latinLnBrk="1">
+                        <a:lnSpc>
+                          <a:spcPct val="107000"/>
+                        </a:lnSpc>
+                        <a:spcAft>
+                          <a:spcPts val="0"/>
+                        </a:spcAft>
+                      </a:pPr>
+                      <a:r>
+                        <a:rPr lang="en-US" sz="1000" kern="100">
+                          <a:effectLst/>
+                        </a:rPr>
+                        <a:t>34503.4</a:t>
+                      </a:r>
+                      <a:endParaRPr lang="ko-KR" sz="1000" kern="100">
+                        <a:effectLst/>
+                        <a:latin typeface="맑은 고딕" panose="020B0503020000020004" pitchFamily="50" charset="-127"/>
+                        <a:ea typeface="맑은 고딕" panose="020B0503020000020004" pitchFamily="50" charset="-127"/>
+                        <a:cs typeface="Times New Roman" panose="02020603050405020304" pitchFamily="18" charset="0"/>
+                      </a:endParaRPr>
+                    </a:p>
+                  </a:txBody>
+                  <a:tcPr marL="68580" marR="68580" marT="0" marB="0"/>
+                </a:tc>
+                <a:tc>
+                  <a:txBody>
+                    <a:bodyPr/>
+                    <a:lstStyle/>
+                    <a:p>
+                      <a:pPr algn="just" latinLnBrk="1">
+                        <a:lnSpc>
+                          <a:spcPct val="107000"/>
+                        </a:lnSpc>
+                        <a:spcAft>
+                          <a:spcPts val="0"/>
+                        </a:spcAft>
+                      </a:pPr>
+                      <a:r>
+                        <a:rPr lang="en-US" sz="1000" kern="100">
+                          <a:effectLst/>
+                        </a:rPr>
+                        <a:t>2472711663.1</a:t>
+                      </a:r>
+                      <a:endParaRPr lang="ko-KR" sz="1000" kern="100">
+                        <a:effectLst/>
+                        <a:latin typeface="맑은 고딕" panose="020B0503020000020004" pitchFamily="50" charset="-127"/>
+                        <a:ea typeface="맑은 고딕" panose="020B0503020000020004" pitchFamily="50" charset="-127"/>
+                        <a:cs typeface="Times New Roman" panose="02020603050405020304" pitchFamily="18" charset="0"/>
+                      </a:endParaRPr>
+                    </a:p>
+                  </a:txBody>
+                  <a:tcPr marL="68580" marR="68580" marT="0" marB="0"/>
+                </a:tc>
+                <a:tc>
+                  <a:txBody>
+                    <a:bodyPr/>
+                    <a:lstStyle/>
+                    <a:p>
+                      <a:pPr algn="just" latinLnBrk="1">
+                        <a:lnSpc>
+                          <a:spcPct val="107000"/>
+                        </a:lnSpc>
+                        <a:spcAft>
+                          <a:spcPts val="0"/>
+                        </a:spcAft>
+                      </a:pPr>
+                      <a:r>
+                        <a:rPr lang="en-US" sz="1000" kern="100">
+                          <a:effectLst/>
+                        </a:rPr>
+                        <a:t>-397.2</a:t>
+                      </a:r>
+                      <a:endParaRPr lang="ko-KR" sz="1000" kern="100">
+                        <a:effectLst/>
+                        <a:latin typeface="맑은 고딕" panose="020B0503020000020004" pitchFamily="50" charset="-127"/>
+                        <a:ea typeface="맑은 고딕" panose="020B0503020000020004" pitchFamily="50" charset="-127"/>
+                        <a:cs typeface="Times New Roman" panose="02020603050405020304" pitchFamily="18" charset="0"/>
+                      </a:endParaRPr>
+                    </a:p>
+                  </a:txBody>
+                  <a:tcPr marL="68580" marR="68580" marT="0" marB="0"/>
+                </a:tc>
+                <a:tc>
+                  <a:txBody>
+                    <a:bodyPr/>
+                    <a:lstStyle/>
+                    <a:p>
+                      <a:pPr algn="just" latinLnBrk="1">
+                        <a:lnSpc>
+                          <a:spcPct val="107000"/>
+                        </a:lnSpc>
+                        <a:spcAft>
+                          <a:spcPts val="0"/>
+                        </a:spcAft>
+                      </a:pPr>
+                      <a:r>
+                        <a:rPr lang="en-US" sz="1000" kern="100">
+                          <a:effectLst/>
+                        </a:rPr>
+                        <a:t>279549.5</a:t>
+                      </a:r>
+                      <a:endParaRPr lang="ko-KR" sz="1000" kern="100">
+                        <a:effectLst/>
+                        <a:latin typeface="맑은 고딕" panose="020B0503020000020004" pitchFamily="50" charset="-127"/>
+                        <a:ea typeface="맑은 고딕" panose="020B0503020000020004" pitchFamily="50" charset="-127"/>
+                        <a:cs typeface="Times New Roman" panose="02020603050405020304" pitchFamily="18" charset="0"/>
+                      </a:endParaRPr>
+                    </a:p>
+                  </a:txBody>
+                  <a:tcPr marL="68580" marR="68580" marT="0" marB="0"/>
+                </a:tc>
+                <a:tc>
+                  <a:txBody>
+                    <a:bodyPr/>
+                    <a:lstStyle/>
+                    <a:p>
+                      <a:pPr algn="just" latinLnBrk="1">
+                        <a:lnSpc>
+                          <a:spcPct val="107000"/>
+                        </a:lnSpc>
+                        <a:spcAft>
+                          <a:spcPts val="0"/>
+                        </a:spcAft>
+                      </a:pPr>
+                      <a:r>
+                        <a:rPr lang="en-US" sz="1000" kern="100">
+                          <a:effectLst/>
+                        </a:rPr>
+                        <a:t>37510.8</a:t>
+                      </a:r>
+                      <a:endParaRPr lang="ko-KR" sz="1000" kern="100">
+                        <a:effectLst/>
+                        <a:latin typeface="맑은 고딕" panose="020B0503020000020004" pitchFamily="50" charset="-127"/>
+                        <a:ea typeface="맑은 고딕" panose="020B0503020000020004" pitchFamily="50" charset="-127"/>
+                        <a:cs typeface="Times New Roman" panose="02020603050405020304" pitchFamily="18" charset="0"/>
+                      </a:endParaRPr>
+                    </a:p>
+                  </a:txBody>
+                  <a:tcPr marL="68580" marR="68580" marT="0" marB="0"/>
+                </a:tc>
+                <a:tc>
+                  <a:txBody>
+                    <a:bodyPr/>
+                    <a:lstStyle/>
+                    <a:p>
+                      <a:pPr algn="just" latinLnBrk="1">
+                        <a:lnSpc>
+                          <a:spcPct val="107000"/>
+                        </a:lnSpc>
+                        <a:spcAft>
+                          <a:spcPts val="0"/>
+                        </a:spcAft>
+                      </a:pPr>
+                      <a:r>
+                        <a:rPr lang="en-US" sz="1000" kern="100">
+                          <a:effectLst/>
+                        </a:rPr>
+                        <a:t>2758683336.1</a:t>
+                      </a:r>
+                      <a:endParaRPr lang="ko-KR" sz="1000" kern="100">
+                        <a:effectLst/>
+                        <a:latin typeface="맑은 고딕" panose="020B0503020000020004" pitchFamily="50" charset="-127"/>
+                        <a:ea typeface="맑은 고딕" panose="020B0503020000020004" pitchFamily="50" charset="-127"/>
+                        <a:cs typeface="Times New Roman" panose="02020603050405020304" pitchFamily="18" charset="0"/>
+                      </a:endParaRPr>
+                    </a:p>
+                  </a:txBody>
+                  <a:tcPr marL="68580" marR="68580" marT="0" marB="0"/>
+                </a:tc>
+                <a:extLst>
+                  <a:ext uri="{0D108BD9-81ED-4DB2-BD59-A6C34878D82A}">
+                    <a16:rowId xmlns:a16="http://schemas.microsoft.com/office/drawing/2014/main" val="1468987836"/>
+                  </a:ext>
+                </a:extLst>
+              </a:tr>
+              <a:tr h="171450">
+                <a:tc>
+                  <a:txBody>
+                    <a:bodyPr/>
+                    <a:lstStyle/>
+                    <a:p>
+                      <a:pPr algn="just" latinLnBrk="1">
+                        <a:lnSpc>
+                          <a:spcPct val="107000"/>
+                        </a:lnSpc>
+                        <a:spcAft>
+                          <a:spcPts val="0"/>
+                        </a:spcAft>
+                      </a:pPr>
+                      <a:r>
+                        <a:rPr lang="en-US" sz="1000" kern="100" dirty="0">
+                          <a:effectLst/>
+                        </a:rPr>
+                        <a:t>500</a:t>
+                      </a:r>
+                      <a:endParaRPr lang="ko-KR" sz="1000" kern="100" dirty="0">
+                        <a:effectLst/>
+                        <a:latin typeface="맑은 고딕" panose="020B0503020000020004" pitchFamily="50" charset="-127"/>
+                        <a:ea typeface="맑은 고딕" panose="020B0503020000020004" pitchFamily="50" charset="-127"/>
+                        <a:cs typeface="Times New Roman" panose="02020603050405020304" pitchFamily="18" charset="0"/>
+                      </a:endParaRPr>
+                    </a:p>
+                  </a:txBody>
+                  <a:tcPr marL="68580" marR="68580" marT="0" marB="0"/>
+                </a:tc>
+                <a:tc>
+                  <a:txBody>
+                    <a:bodyPr/>
+                    <a:lstStyle/>
+                    <a:p>
+                      <a:pPr algn="just" latinLnBrk="1">
+                        <a:lnSpc>
+                          <a:spcPct val="107000"/>
+                        </a:lnSpc>
+                        <a:spcAft>
+                          <a:spcPts val="0"/>
+                        </a:spcAft>
+                      </a:pPr>
+                      <a:r>
+                        <a:rPr lang="en-US" sz="1000" kern="100">
+                          <a:effectLst/>
+                        </a:rPr>
+                        <a:t>-10.6</a:t>
+                      </a:r>
+                      <a:endParaRPr lang="ko-KR" sz="1000" kern="100">
+                        <a:effectLst/>
+                        <a:latin typeface="맑은 고딕" panose="020B0503020000020004" pitchFamily="50" charset="-127"/>
+                        <a:ea typeface="맑은 고딕" panose="020B0503020000020004" pitchFamily="50" charset="-127"/>
+                        <a:cs typeface="Times New Roman" panose="02020603050405020304" pitchFamily="18" charset="0"/>
+                      </a:endParaRPr>
+                    </a:p>
+                  </a:txBody>
+                  <a:tcPr marL="68580" marR="68580" marT="0" marB="0"/>
+                </a:tc>
+                <a:tc>
+                  <a:txBody>
+                    <a:bodyPr/>
+                    <a:lstStyle/>
+                    <a:p>
+                      <a:pPr algn="just" latinLnBrk="1">
+                        <a:lnSpc>
+                          <a:spcPct val="107000"/>
+                        </a:lnSpc>
+                        <a:spcAft>
+                          <a:spcPts val="0"/>
+                        </a:spcAft>
+                      </a:pPr>
+                      <a:r>
+                        <a:rPr lang="en-US" sz="1000" kern="100">
+                          <a:effectLst/>
+                        </a:rPr>
+                        <a:t>501244.7</a:t>
+                      </a:r>
+                      <a:endParaRPr lang="ko-KR" sz="1000" kern="100">
+                        <a:effectLst/>
+                        <a:latin typeface="맑은 고딕" panose="020B0503020000020004" pitchFamily="50" charset="-127"/>
+                        <a:ea typeface="맑은 고딕" panose="020B0503020000020004" pitchFamily="50" charset="-127"/>
+                        <a:cs typeface="Times New Roman" panose="02020603050405020304" pitchFamily="18" charset="0"/>
+                      </a:endParaRPr>
+                    </a:p>
+                  </a:txBody>
+                  <a:tcPr marL="68580" marR="68580" marT="0" marB="0"/>
+                </a:tc>
+                <a:tc>
+                  <a:txBody>
+                    <a:bodyPr/>
+                    <a:lstStyle/>
+                    <a:p>
+                      <a:pPr algn="just" latinLnBrk="1">
+                        <a:lnSpc>
+                          <a:spcPct val="107000"/>
+                        </a:lnSpc>
+                        <a:spcAft>
+                          <a:spcPts val="0"/>
+                        </a:spcAft>
+                      </a:pPr>
+                      <a:r>
+                        <a:rPr lang="en-US" sz="1000" kern="100">
+                          <a:effectLst/>
+                        </a:rPr>
+                        <a:t>34034.9</a:t>
+                      </a:r>
+                      <a:endParaRPr lang="ko-KR" sz="1000" kern="100">
+                        <a:effectLst/>
+                        <a:latin typeface="맑은 고딕" panose="020B0503020000020004" pitchFamily="50" charset="-127"/>
+                        <a:ea typeface="맑은 고딕" panose="020B0503020000020004" pitchFamily="50" charset="-127"/>
+                        <a:cs typeface="Times New Roman" panose="02020603050405020304" pitchFamily="18" charset="0"/>
+                      </a:endParaRPr>
+                    </a:p>
+                  </a:txBody>
+                  <a:tcPr marL="68580" marR="68580" marT="0" marB="0"/>
+                </a:tc>
+                <a:tc>
+                  <a:txBody>
+                    <a:bodyPr/>
+                    <a:lstStyle/>
+                    <a:p>
+                      <a:pPr algn="just" latinLnBrk="1">
+                        <a:lnSpc>
+                          <a:spcPct val="107000"/>
+                        </a:lnSpc>
+                        <a:spcAft>
+                          <a:spcPts val="0"/>
+                        </a:spcAft>
+                      </a:pPr>
+                      <a:r>
+                        <a:rPr lang="en-US" sz="1000" kern="100">
+                          <a:effectLst/>
+                        </a:rPr>
+                        <a:t>2417893138.8</a:t>
+                      </a:r>
+                      <a:endParaRPr lang="ko-KR" sz="1000" kern="100">
+                        <a:effectLst/>
+                        <a:latin typeface="맑은 고딕" panose="020B0503020000020004" pitchFamily="50" charset="-127"/>
+                        <a:ea typeface="맑은 고딕" panose="020B0503020000020004" pitchFamily="50" charset="-127"/>
+                        <a:cs typeface="Times New Roman" panose="02020603050405020304" pitchFamily="18" charset="0"/>
+                      </a:endParaRPr>
+                    </a:p>
+                  </a:txBody>
+                  <a:tcPr marL="68580" marR="68580" marT="0" marB="0"/>
+                </a:tc>
+                <a:tc>
+                  <a:txBody>
+                    <a:bodyPr/>
+                    <a:lstStyle/>
+                    <a:p>
+                      <a:pPr algn="just" latinLnBrk="1">
+                        <a:lnSpc>
+                          <a:spcPct val="107000"/>
+                        </a:lnSpc>
+                        <a:spcAft>
+                          <a:spcPts val="0"/>
+                        </a:spcAft>
+                      </a:pPr>
+                      <a:r>
+                        <a:rPr lang="en-US" sz="1000" kern="100">
+                          <a:effectLst/>
+                        </a:rPr>
+                        <a:t>-440.8</a:t>
+                      </a:r>
+                      <a:endParaRPr lang="ko-KR" sz="1000" kern="100">
+                        <a:effectLst/>
+                        <a:latin typeface="맑은 고딕" panose="020B0503020000020004" pitchFamily="50" charset="-127"/>
+                        <a:ea typeface="맑은 고딕" panose="020B0503020000020004" pitchFamily="50" charset="-127"/>
+                        <a:cs typeface="Times New Roman" panose="02020603050405020304" pitchFamily="18" charset="0"/>
+                      </a:endParaRPr>
+                    </a:p>
+                  </a:txBody>
+                  <a:tcPr marL="68580" marR="68580" marT="0" marB="0"/>
+                </a:tc>
+                <a:tc>
+                  <a:txBody>
+                    <a:bodyPr/>
+                    <a:lstStyle/>
+                    <a:p>
+                      <a:pPr algn="just" latinLnBrk="1">
+                        <a:lnSpc>
+                          <a:spcPct val="107000"/>
+                        </a:lnSpc>
+                        <a:spcAft>
+                          <a:spcPts val="0"/>
+                        </a:spcAft>
+                      </a:pPr>
+                      <a:r>
+                        <a:rPr lang="en-US" sz="1000" kern="100">
+                          <a:effectLst/>
+                        </a:rPr>
+                        <a:t>281271.5</a:t>
+                      </a:r>
+                      <a:endParaRPr lang="ko-KR" sz="1000" kern="100">
+                        <a:effectLst/>
+                        <a:latin typeface="맑은 고딕" panose="020B0503020000020004" pitchFamily="50" charset="-127"/>
+                        <a:ea typeface="맑은 고딕" panose="020B0503020000020004" pitchFamily="50" charset="-127"/>
+                        <a:cs typeface="Times New Roman" panose="02020603050405020304" pitchFamily="18" charset="0"/>
+                      </a:endParaRPr>
+                    </a:p>
+                  </a:txBody>
+                  <a:tcPr marL="68580" marR="68580" marT="0" marB="0"/>
+                </a:tc>
+                <a:tc>
+                  <a:txBody>
+                    <a:bodyPr/>
+                    <a:lstStyle/>
+                    <a:p>
+                      <a:pPr algn="just" latinLnBrk="1">
+                        <a:lnSpc>
+                          <a:spcPct val="107000"/>
+                        </a:lnSpc>
+                        <a:spcAft>
+                          <a:spcPts val="0"/>
+                        </a:spcAft>
+                      </a:pPr>
+                      <a:r>
+                        <a:rPr lang="en-US" sz="1000" kern="100">
+                          <a:effectLst/>
+                        </a:rPr>
+                        <a:t>37395.8</a:t>
+                      </a:r>
+                      <a:endParaRPr lang="ko-KR" sz="1000" kern="100">
+                        <a:effectLst/>
+                        <a:latin typeface="맑은 고딕" panose="020B0503020000020004" pitchFamily="50" charset="-127"/>
+                        <a:ea typeface="맑은 고딕" panose="020B0503020000020004" pitchFamily="50" charset="-127"/>
+                        <a:cs typeface="Times New Roman" panose="02020603050405020304" pitchFamily="18" charset="0"/>
+                      </a:endParaRPr>
+                    </a:p>
+                  </a:txBody>
+                  <a:tcPr marL="68580" marR="68580" marT="0" marB="0"/>
+                </a:tc>
+                <a:tc>
+                  <a:txBody>
+                    <a:bodyPr/>
+                    <a:lstStyle/>
+                    <a:p>
+                      <a:pPr algn="just" latinLnBrk="1">
+                        <a:lnSpc>
+                          <a:spcPct val="107000"/>
+                        </a:lnSpc>
+                        <a:spcAft>
+                          <a:spcPts val="0"/>
+                        </a:spcAft>
+                      </a:pPr>
+                      <a:r>
+                        <a:rPr lang="en-US" sz="1000" kern="100">
+                          <a:effectLst/>
+                        </a:rPr>
+                        <a:t>2754422249.3</a:t>
+                      </a:r>
+                      <a:endParaRPr lang="ko-KR" sz="1000" kern="100">
+                        <a:effectLst/>
+                        <a:latin typeface="맑은 고딕" panose="020B0503020000020004" pitchFamily="50" charset="-127"/>
+                        <a:ea typeface="맑은 고딕" panose="020B0503020000020004" pitchFamily="50" charset="-127"/>
+                        <a:cs typeface="Times New Roman" panose="02020603050405020304" pitchFamily="18" charset="0"/>
+                      </a:endParaRPr>
+                    </a:p>
+                  </a:txBody>
+                  <a:tcPr marL="68580" marR="68580" marT="0" marB="0"/>
+                </a:tc>
+                <a:extLst>
+                  <a:ext uri="{0D108BD9-81ED-4DB2-BD59-A6C34878D82A}">
+                    <a16:rowId xmlns:a16="http://schemas.microsoft.com/office/drawing/2014/main" val="1511068707"/>
+                  </a:ext>
+                </a:extLst>
+              </a:tr>
+              <a:tr h="171450">
+                <a:tc>
+                  <a:txBody>
+                    <a:bodyPr/>
+                    <a:lstStyle/>
+                    <a:p>
+                      <a:pPr algn="just" latinLnBrk="1">
+                        <a:lnSpc>
+                          <a:spcPct val="107000"/>
+                        </a:lnSpc>
+                        <a:spcAft>
+                          <a:spcPts val="0"/>
+                        </a:spcAft>
+                      </a:pPr>
+                      <a:r>
+                        <a:rPr lang="en-US" sz="1000" kern="100" dirty="0">
+                          <a:effectLst/>
+                        </a:rPr>
+                        <a:t>1000</a:t>
+                      </a:r>
+                      <a:endParaRPr lang="ko-KR" sz="1000" kern="100" dirty="0">
+                        <a:effectLst/>
+                        <a:latin typeface="맑은 고딕" panose="020B0503020000020004" pitchFamily="50" charset="-127"/>
+                        <a:ea typeface="맑은 고딕" panose="020B0503020000020004" pitchFamily="50" charset="-127"/>
+                        <a:cs typeface="Times New Roman" panose="02020603050405020304" pitchFamily="18" charset="0"/>
+                      </a:endParaRPr>
+                    </a:p>
+                  </a:txBody>
+                  <a:tcPr marL="68580" marR="68580" marT="0" marB="0"/>
+                </a:tc>
+                <a:tc>
+                  <a:txBody>
+                    <a:bodyPr/>
+                    <a:lstStyle/>
+                    <a:p>
+                      <a:pPr algn="just" latinLnBrk="1">
+                        <a:lnSpc>
+                          <a:spcPct val="107000"/>
+                        </a:lnSpc>
+                        <a:spcAft>
+                          <a:spcPts val="0"/>
+                        </a:spcAft>
+                      </a:pPr>
+                      <a:r>
+                        <a:rPr lang="en-US" sz="1000" kern="100">
+                          <a:effectLst/>
+                        </a:rPr>
+                        <a:t>-8.2</a:t>
+                      </a:r>
+                      <a:endParaRPr lang="ko-KR" sz="1000" kern="100">
+                        <a:effectLst/>
+                        <a:latin typeface="맑은 고딕" panose="020B0503020000020004" pitchFamily="50" charset="-127"/>
+                        <a:ea typeface="맑은 고딕" panose="020B0503020000020004" pitchFamily="50" charset="-127"/>
+                        <a:cs typeface="Times New Roman" panose="02020603050405020304" pitchFamily="18" charset="0"/>
+                      </a:endParaRPr>
+                    </a:p>
+                  </a:txBody>
+                  <a:tcPr marL="68580" marR="68580" marT="0" marB="0"/>
+                </a:tc>
+                <a:tc>
+                  <a:txBody>
+                    <a:bodyPr/>
+                    <a:lstStyle/>
+                    <a:p>
+                      <a:pPr algn="just" latinLnBrk="1">
+                        <a:lnSpc>
+                          <a:spcPct val="107000"/>
+                        </a:lnSpc>
+                        <a:spcAft>
+                          <a:spcPts val="0"/>
+                        </a:spcAft>
+                      </a:pPr>
+                      <a:r>
+                        <a:rPr lang="en-US" sz="1000" kern="100">
+                          <a:effectLst/>
+                        </a:rPr>
+                        <a:t>497610.2</a:t>
+                      </a:r>
+                      <a:endParaRPr lang="ko-KR" sz="1000" kern="100">
+                        <a:effectLst/>
+                        <a:latin typeface="맑은 고딕" panose="020B0503020000020004" pitchFamily="50" charset="-127"/>
+                        <a:ea typeface="맑은 고딕" panose="020B0503020000020004" pitchFamily="50" charset="-127"/>
+                        <a:cs typeface="Times New Roman" panose="02020603050405020304" pitchFamily="18" charset="0"/>
+                      </a:endParaRPr>
+                    </a:p>
+                  </a:txBody>
+                  <a:tcPr marL="68580" marR="68580" marT="0" marB="0"/>
+                </a:tc>
+                <a:tc>
+                  <a:txBody>
+                    <a:bodyPr/>
+                    <a:lstStyle/>
+                    <a:p>
+                      <a:pPr algn="just" latinLnBrk="1">
+                        <a:lnSpc>
+                          <a:spcPct val="107000"/>
+                        </a:lnSpc>
+                        <a:spcAft>
+                          <a:spcPts val="0"/>
+                        </a:spcAft>
+                      </a:pPr>
+                      <a:r>
+                        <a:rPr lang="en-US" sz="1000" kern="100">
+                          <a:effectLst/>
+                        </a:rPr>
+                        <a:t>33659.5</a:t>
+                      </a:r>
+                      <a:endParaRPr lang="ko-KR" sz="1000" kern="100">
+                        <a:effectLst/>
+                        <a:latin typeface="맑은 고딕" panose="020B0503020000020004" pitchFamily="50" charset="-127"/>
+                        <a:ea typeface="맑은 고딕" panose="020B0503020000020004" pitchFamily="50" charset="-127"/>
+                        <a:cs typeface="Times New Roman" panose="02020603050405020304" pitchFamily="18" charset="0"/>
+                      </a:endParaRPr>
+                    </a:p>
+                  </a:txBody>
+                  <a:tcPr marL="68580" marR="68580" marT="0" marB="0"/>
+                </a:tc>
+                <a:tc>
+                  <a:txBody>
+                    <a:bodyPr/>
+                    <a:lstStyle/>
+                    <a:p>
+                      <a:pPr algn="just" latinLnBrk="1">
+                        <a:lnSpc>
+                          <a:spcPct val="107000"/>
+                        </a:lnSpc>
+                        <a:spcAft>
+                          <a:spcPts val="0"/>
+                        </a:spcAft>
+                      </a:pPr>
+                      <a:r>
+                        <a:rPr lang="en-US" sz="1000" kern="100">
+                          <a:effectLst/>
+                        </a:rPr>
+                        <a:t>2372882426.9</a:t>
+                      </a:r>
+                      <a:endParaRPr lang="ko-KR" sz="1000" kern="100">
+                        <a:effectLst/>
+                        <a:latin typeface="맑은 고딕" panose="020B0503020000020004" pitchFamily="50" charset="-127"/>
+                        <a:ea typeface="맑은 고딕" panose="020B0503020000020004" pitchFamily="50" charset="-127"/>
+                        <a:cs typeface="Times New Roman" panose="02020603050405020304" pitchFamily="18" charset="0"/>
+                      </a:endParaRPr>
+                    </a:p>
+                  </a:txBody>
+                  <a:tcPr marL="68580" marR="68580" marT="0" marB="0"/>
+                </a:tc>
+                <a:tc>
+                  <a:txBody>
+                    <a:bodyPr/>
+                    <a:lstStyle/>
+                    <a:p>
+                      <a:pPr algn="just" latinLnBrk="1">
+                        <a:lnSpc>
+                          <a:spcPct val="107000"/>
+                        </a:lnSpc>
+                        <a:spcAft>
+                          <a:spcPts val="0"/>
+                        </a:spcAft>
+                      </a:pPr>
+                      <a:r>
+                        <a:rPr lang="en-US" sz="1000" kern="100">
+                          <a:effectLst/>
+                        </a:rPr>
+                        <a:t>-448.5</a:t>
+                      </a:r>
+                      <a:endParaRPr lang="ko-KR" sz="1000" kern="100">
+                        <a:effectLst/>
+                        <a:latin typeface="맑은 고딕" panose="020B0503020000020004" pitchFamily="50" charset="-127"/>
+                        <a:ea typeface="맑은 고딕" panose="020B0503020000020004" pitchFamily="50" charset="-127"/>
+                        <a:cs typeface="Times New Roman" panose="02020603050405020304" pitchFamily="18" charset="0"/>
+                      </a:endParaRPr>
+                    </a:p>
+                  </a:txBody>
+                  <a:tcPr marL="68580" marR="68580" marT="0" marB="0"/>
+                </a:tc>
+                <a:tc>
+                  <a:txBody>
+                    <a:bodyPr/>
+                    <a:lstStyle/>
+                    <a:p>
+                      <a:pPr algn="just" latinLnBrk="1">
+                        <a:lnSpc>
+                          <a:spcPct val="107000"/>
+                        </a:lnSpc>
+                        <a:spcAft>
+                          <a:spcPts val="0"/>
+                        </a:spcAft>
+                      </a:pPr>
+                      <a:r>
+                        <a:rPr lang="en-US" sz="1000" kern="100">
+                          <a:effectLst/>
+                        </a:rPr>
+                        <a:t>281430.0</a:t>
+                      </a:r>
+                      <a:endParaRPr lang="ko-KR" sz="1000" kern="100">
+                        <a:effectLst/>
+                        <a:latin typeface="맑은 고딕" panose="020B0503020000020004" pitchFamily="50" charset="-127"/>
+                        <a:ea typeface="맑은 고딕" panose="020B0503020000020004" pitchFamily="50" charset="-127"/>
+                        <a:cs typeface="Times New Roman" panose="02020603050405020304" pitchFamily="18" charset="0"/>
+                      </a:endParaRPr>
+                    </a:p>
+                  </a:txBody>
+                  <a:tcPr marL="68580" marR="68580" marT="0" marB="0"/>
+                </a:tc>
+                <a:tc>
+                  <a:txBody>
+                    <a:bodyPr/>
+                    <a:lstStyle/>
+                    <a:p>
+                      <a:pPr algn="just" latinLnBrk="1">
+                        <a:lnSpc>
+                          <a:spcPct val="107000"/>
+                        </a:lnSpc>
+                        <a:spcAft>
+                          <a:spcPts val="0"/>
+                        </a:spcAft>
+                      </a:pPr>
+                      <a:r>
+                        <a:rPr lang="en-US" sz="1000" kern="100">
+                          <a:effectLst/>
+                        </a:rPr>
+                        <a:t>37222.2</a:t>
+                      </a:r>
+                      <a:endParaRPr lang="ko-KR" sz="1000" kern="100">
+                        <a:effectLst/>
+                        <a:latin typeface="맑은 고딕" panose="020B0503020000020004" pitchFamily="50" charset="-127"/>
+                        <a:ea typeface="맑은 고딕" panose="020B0503020000020004" pitchFamily="50" charset="-127"/>
+                        <a:cs typeface="Times New Roman" panose="02020603050405020304" pitchFamily="18" charset="0"/>
+                      </a:endParaRPr>
+                    </a:p>
+                  </a:txBody>
+                  <a:tcPr marL="68580" marR="68580" marT="0" marB="0"/>
+                </a:tc>
+                <a:tc>
+                  <a:txBody>
+                    <a:bodyPr/>
+                    <a:lstStyle/>
+                    <a:p>
+                      <a:pPr algn="just" latinLnBrk="1">
+                        <a:lnSpc>
+                          <a:spcPct val="107000"/>
+                        </a:lnSpc>
+                        <a:spcAft>
+                          <a:spcPts val="0"/>
+                        </a:spcAft>
+                      </a:pPr>
+                      <a:r>
+                        <a:rPr lang="en-US" sz="1000" kern="100">
+                          <a:effectLst/>
+                        </a:rPr>
+                        <a:t>2744701549.0</a:t>
+                      </a:r>
+                      <a:endParaRPr lang="ko-KR" sz="1000" kern="100">
+                        <a:effectLst/>
+                        <a:latin typeface="맑은 고딕" panose="020B0503020000020004" pitchFamily="50" charset="-127"/>
+                        <a:ea typeface="맑은 고딕" panose="020B0503020000020004" pitchFamily="50" charset="-127"/>
+                        <a:cs typeface="Times New Roman" panose="02020603050405020304" pitchFamily="18" charset="0"/>
+                      </a:endParaRPr>
+                    </a:p>
+                  </a:txBody>
+                  <a:tcPr marL="68580" marR="68580" marT="0" marB="0"/>
+                </a:tc>
+                <a:extLst>
+                  <a:ext uri="{0D108BD9-81ED-4DB2-BD59-A6C34878D82A}">
+                    <a16:rowId xmlns:a16="http://schemas.microsoft.com/office/drawing/2014/main" val="2365153690"/>
+                  </a:ext>
+                </a:extLst>
+              </a:tr>
+              <a:tr h="163830">
+                <a:tc>
+                  <a:txBody>
+                    <a:bodyPr/>
+                    <a:lstStyle/>
+                    <a:p>
+                      <a:pPr algn="just" latinLnBrk="1">
+                        <a:lnSpc>
+                          <a:spcPct val="107000"/>
+                        </a:lnSpc>
+                        <a:spcAft>
+                          <a:spcPts val="0"/>
+                        </a:spcAft>
+                      </a:pPr>
+                      <a:r>
+                        <a:rPr lang="en-US" sz="1000" kern="100" dirty="0">
+                          <a:effectLst/>
+                        </a:rPr>
+                        <a:t>1500</a:t>
+                      </a:r>
+                      <a:endParaRPr lang="ko-KR" sz="1000" kern="100" dirty="0">
+                        <a:effectLst/>
+                        <a:latin typeface="맑은 고딕" panose="020B0503020000020004" pitchFamily="50" charset="-127"/>
+                        <a:ea typeface="맑은 고딕" panose="020B0503020000020004" pitchFamily="50" charset="-127"/>
+                        <a:cs typeface="Times New Roman" panose="02020603050405020304" pitchFamily="18" charset="0"/>
+                      </a:endParaRPr>
+                    </a:p>
+                  </a:txBody>
+                  <a:tcPr marL="68580" marR="68580" marT="0" marB="0"/>
+                </a:tc>
+                <a:tc>
+                  <a:txBody>
+                    <a:bodyPr/>
+                    <a:lstStyle/>
+                    <a:p>
+                      <a:pPr algn="just" latinLnBrk="1">
+                        <a:lnSpc>
+                          <a:spcPct val="107000"/>
+                        </a:lnSpc>
+                        <a:spcAft>
+                          <a:spcPts val="0"/>
+                        </a:spcAft>
+                      </a:pPr>
+                      <a:r>
+                        <a:rPr lang="en-US" sz="1000" kern="100">
+                          <a:effectLst/>
+                        </a:rPr>
+                        <a:t>-7.0</a:t>
+                      </a:r>
+                      <a:endParaRPr lang="ko-KR" sz="1000" kern="100">
+                        <a:effectLst/>
+                        <a:latin typeface="맑은 고딕" panose="020B0503020000020004" pitchFamily="50" charset="-127"/>
+                        <a:ea typeface="맑은 고딕" panose="020B0503020000020004" pitchFamily="50" charset="-127"/>
+                        <a:cs typeface="Times New Roman" panose="02020603050405020304" pitchFamily="18" charset="0"/>
+                      </a:endParaRPr>
+                    </a:p>
+                  </a:txBody>
+                  <a:tcPr marL="68580" marR="68580" marT="0" marB="0"/>
+                </a:tc>
+                <a:tc>
+                  <a:txBody>
+                    <a:bodyPr/>
+                    <a:lstStyle/>
+                    <a:p>
+                      <a:pPr algn="just" latinLnBrk="1">
+                        <a:lnSpc>
+                          <a:spcPct val="107000"/>
+                        </a:lnSpc>
+                        <a:spcAft>
+                          <a:spcPts val="0"/>
+                        </a:spcAft>
+                      </a:pPr>
+                      <a:r>
+                        <a:rPr lang="en-US" sz="1000" kern="100">
+                          <a:effectLst/>
+                        </a:rPr>
+                        <a:t>494341.5</a:t>
+                      </a:r>
+                      <a:endParaRPr lang="ko-KR" sz="1000" kern="100">
+                        <a:effectLst/>
+                        <a:latin typeface="맑은 고딕" panose="020B0503020000020004" pitchFamily="50" charset="-127"/>
+                        <a:ea typeface="맑은 고딕" panose="020B0503020000020004" pitchFamily="50" charset="-127"/>
+                        <a:cs typeface="Times New Roman" panose="02020603050405020304" pitchFamily="18" charset="0"/>
+                      </a:endParaRPr>
+                    </a:p>
+                  </a:txBody>
+                  <a:tcPr marL="68580" marR="68580" marT="0" marB="0"/>
+                </a:tc>
+                <a:tc>
+                  <a:txBody>
+                    <a:bodyPr/>
+                    <a:lstStyle/>
+                    <a:p>
+                      <a:pPr algn="just" latinLnBrk="1">
+                        <a:lnSpc>
+                          <a:spcPct val="107000"/>
+                        </a:lnSpc>
+                        <a:spcAft>
+                          <a:spcPts val="0"/>
+                        </a:spcAft>
+                      </a:pPr>
+                      <a:r>
+                        <a:rPr lang="en-US" sz="1000" kern="100" dirty="0">
+                          <a:effectLst/>
+                        </a:rPr>
+                        <a:t>33324.9</a:t>
+                      </a:r>
+                      <a:endParaRPr lang="ko-KR" sz="1000" kern="100" dirty="0">
+                        <a:effectLst/>
+                        <a:latin typeface="맑은 고딕" panose="020B0503020000020004" pitchFamily="50" charset="-127"/>
+                        <a:ea typeface="맑은 고딕" panose="020B0503020000020004" pitchFamily="50" charset="-127"/>
+                        <a:cs typeface="Times New Roman" panose="02020603050405020304" pitchFamily="18" charset="0"/>
+                      </a:endParaRPr>
+                    </a:p>
+                  </a:txBody>
+                  <a:tcPr marL="68580" marR="68580" marT="0" marB="0"/>
+                </a:tc>
+                <a:tc>
+                  <a:txBody>
+                    <a:bodyPr/>
+                    <a:lstStyle/>
+                    <a:p>
+                      <a:pPr algn="just" latinLnBrk="1">
+                        <a:lnSpc>
+                          <a:spcPct val="107000"/>
+                        </a:lnSpc>
+                        <a:spcAft>
+                          <a:spcPts val="0"/>
+                        </a:spcAft>
+                      </a:pPr>
+                      <a:r>
+                        <a:rPr lang="en-US" sz="1000" kern="100">
+                          <a:effectLst/>
+                        </a:rPr>
+                        <a:t>2332988745.7</a:t>
+                      </a:r>
+                      <a:endParaRPr lang="ko-KR" sz="1000" kern="100">
+                        <a:effectLst/>
+                        <a:latin typeface="맑은 고딕" panose="020B0503020000020004" pitchFamily="50" charset="-127"/>
+                        <a:ea typeface="맑은 고딕" panose="020B0503020000020004" pitchFamily="50" charset="-127"/>
+                        <a:cs typeface="Times New Roman" panose="02020603050405020304" pitchFamily="18" charset="0"/>
+                      </a:endParaRPr>
+                    </a:p>
+                  </a:txBody>
+                  <a:tcPr marL="68580" marR="68580" marT="0" marB="0"/>
+                </a:tc>
+                <a:tc>
+                  <a:txBody>
+                    <a:bodyPr/>
+                    <a:lstStyle/>
+                    <a:p>
+                      <a:pPr algn="just" latinLnBrk="1">
+                        <a:lnSpc>
+                          <a:spcPct val="107000"/>
+                        </a:lnSpc>
+                        <a:spcAft>
+                          <a:spcPts val="0"/>
+                        </a:spcAft>
+                      </a:pPr>
+                      <a:r>
+                        <a:rPr lang="en-US" sz="1000" kern="100">
+                          <a:effectLst/>
+                        </a:rPr>
+                        <a:t>-438.2</a:t>
+                      </a:r>
+                      <a:endParaRPr lang="ko-KR" sz="1000" kern="100">
+                        <a:effectLst/>
+                        <a:latin typeface="맑은 고딕" panose="020B0503020000020004" pitchFamily="50" charset="-127"/>
+                        <a:ea typeface="맑은 고딕" panose="020B0503020000020004" pitchFamily="50" charset="-127"/>
+                        <a:cs typeface="Times New Roman" panose="02020603050405020304" pitchFamily="18" charset="0"/>
+                      </a:endParaRPr>
+                    </a:p>
+                  </a:txBody>
+                  <a:tcPr marL="68580" marR="68580" marT="0" marB="0"/>
+                </a:tc>
+                <a:tc>
+                  <a:txBody>
+                    <a:bodyPr/>
+                    <a:lstStyle/>
+                    <a:p>
+                      <a:pPr algn="just" latinLnBrk="1">
+                        <a:lnSpc>
+                          <a:spcPct val="107000"/>
+                        </a:lnSpc>
+                        <a:spcAft>
+                          <a:spcPts val="0"/>
+                        </a:spcAft>
+                      </a:pPr>
+                      <a:r>
+                        <a:rPr lang="en-US" sz="1000" kern="100">
+                          <a:effectLst/>
+                        </a:rPr>
+                        <a:t>280972.9</a:t>
+                      </a:r>
+                      <a:endParaRPr lang="ko-KR" sz="1000" kern="100">
+                        <a:effectLst/>
+                        <a:latin typeface="맑은 고딕" panose="020B0503020000020004" pitchFamily="50" charset="-127"/>
+                        <a:ea typeface="맑은 고딕" panose="020B0503020000020004" pitchFamily="50" charset="-127"/>
+                        <a:cs typeface="Times New Roman" panose="02020603050405020304" pitchFamily="18" charset="0"/>
+                      </a:endParaRPr>
+                    </a:p>
+                  </a:txBody>
+                  <a:tcPr marL="68580" marR="68580" marT="0" marB="0"/>
+                </a:tc>
+                <a:tc>
+                  <a:txBody>
+                    <a:bodyPr/>
+                    <a:lstStyle/>
+                    <a:p>
+                      <a:pPr algn="just" latinLnBrk="1">
+                        <a:lnSpc>
+                          <a:spcPct val="107000"/>
+                        </a:lnSpc>
+                        <a:spcAft>
+                          <a:spcPts val="0"/>
+                        </a:spcAft>
+                      </a:pPr>
+                      <a:r>
+                        <a:rPr lang="en-US" sz="1000" kern="100">
+                          <a:effectLst/>
+                        </a:rPr>
+                        <a:t>37037.4</a:t>
+                      </a:r>
+                      <a:endParaRPr lang="ko-KR" sz="1000" kern="100">
+                        <a:effectLst/>
+                        <a:latin typeface="맑은 고딕" panose="020B0503020000020004" pitchFamily="50" charset="-127"/>
+                        <a:ea typeface="맑은 고딕" panose="020B0503020000020004" pitchFamily="50" charset="-127"/>
+                        <a:cs typeface="Times New Roman" panose="02020603050405020304" pitchFamily="18" charset="0"/>
+                      </a:endParaRPr>
+                    </a:p>
+                  </a:txBody>
+                  <a:tcPr marL="68580" marR="68580" marT="0" marB="0"/>
+                </a:tc>
+                <a:tc>
+                  <a:txBody>
+                    <a:bodyPr/>
+                    <a:lstStyle/>
+                    <a:p>
+                      <a:pPr algn="just" latinLnBrk="1">
+                        <a:lnSpc>
+                          <a:spcPct val="107000"/>
+                        </a:lnSpc>
+                        <a:spcAft>
+                          <a:spcPts val="0"/>
+                        </a:spcAft>
+                      </a:pPr>
+                      <a:r>
+                        <a:rPr lang="en-US" sz="1000" kern="100">
+                          <a:effectLst/>
+                        </a:rPr>
+                        <a:t>2732209940.4</a:t>
+                      </a:r>
+                      <a:endParaRPr lang="ko-KR" sz="1000" kern="100">
+                        <a:effectLst/>
+                        <a:latin typeface="맑은 고딕" panose="020B0503020000020004" pitchFamily="50" charset="-127"/>
+                        <a:ea typeface="맑은 고딕" panose="020B0503020000020004" pitchFamily="50" charset="-127"/>
+                        <a:cs typeface="Times New Roman" panose="02020603050405020304" pitchFamily="18" charset="0"/>
+                      </a:endParaRPr>
+                    </a:p>
+                  </a:txBody>
+                  <a:tcPr marL="68580" marR="68580" marT="0" marB="0"/>
+                </a:tc>
+                <a:extLst>
+                  <a:ext uri="{0D108BD9-81ED-4DB2-BD59-A6C34878D82A}">
+                    <a16:rowId xmlns:a16="http://schemas.microsoft.com/office/drawing/2014/main" val="2672823165"/>
+                  </a:ext>
+                </a:extLst>
+              </a:tr>
+              <a:tr h="171450">
+                <a:tc>
+                  <a:txBody>
+                    <a:bodyPr/>
+                    <a:lstStyle/>
+                    <a:p>
+                      <a:pPr algn="just" latinLnBrk="1">
+                        <a:lnSpc>
+                          <a:spcPct val="107000"/>
+                        </a:lnSpc>
+                        <a:spcAft>
+                          <a:spcPts val="0"/>
+                        </a:spcAft>
+                      </a:pPr>
+                      <a:r>
+                        <a:rPr lang="en-US" sz="1000" kern="100" dirty="0">
+                          <a:effectLst/>
+                        </a:rPr>
+                        <a:t>2000</a:t>
+                      </a:r>
+                      <a:endParaRPr lang="ko-KR" sz="1000" kern="100" dirty="0">
+                        <a:effectLst/>
+                        <a:latin typeface="맑은 고딕" panose="020B0503020000020004" pitchFamily="50" charset="-127"/>
+                        <a:ea typeface="맑은 고딕" panose="020B0503020000020004" pitchFamily="50" charset="-127"/>
+                        <a:cs typeface="Times New Roman" panose="02020603050405020304" pitchFamily="18" charset="0"/>
+                      </a:endParaRPr>
+                    </a:p>
+                  </a:txBody>
+                  <a:tcPr marL="68580" marR="68580" marT="0" marB="0"/>
+                </a:tc>
+                <a:tc>
+                  <a:txBody>
+                    <a:bodyPr/>
+                    <a:lstStyle/>
+                    <a:p>
+                      <a:pPr algn="just" latinLnBrk="1">
+                        <a:lnSpc>
+                          <a:spcPct val="107000"/>
+                        </a:lnSpc>
+                        <a:spcAft>
+                          <a:spcPts val="0"/>
+                        </a:spcAft>
+                      </a:pPr>
+                      <a:r>
+                        <a:rPr lang="en-US" sz="1000" kern="100" dirty="0">
+                          <a:effectLst/>
+                        </a:rPr>
+                        <a:t>-6.3</a:t>
+                      </a:r>
+                      <a:endParaRPr lang="ko-KR" sz="1000" kern="100" dirty="0">
+                        <a:effectLst/>
+                        <a:latin typeface="맑은 고딕" panose="020B0503020000020004" pitchFamily="50" charset="-127"/>
+                        <a:ea typeface="맑은 고딕" panose="020B0503020000020004" pitchFamily="50" charset="-127"/>
+                        <a:cs typeface="Times New Roman" panose="02020603050405020304" pitchFamily="18" charset="0"/>
+                      </a:endParaRPr>
+                    </a:p>
+                  </a:txBody>
+                  <a:tcPr marL="68580" marR="68580" marT="0" marB="0"/>
+                </a:tc>
+                <a:tc>
+                  <a:txBody>
+                    <a:bodyPr/>
+                    <a:lstStyle/>
+                    <a:p>
+                      <a:pPr algn="just" latinLnBrk="1">
+                        <a:lnSpc>
+                          <a:spcPct val="107000"/>
+                        </a:lnSpc>
+                        <a:spcAft>
+                          <a:spcPts val="0"/>
+                        </a:spcAft>
+                      </a:pPr>
+                      <a:r>
+                        <a:rPr lang="en-US" sz="1000" kern="100" dirty="0">
+                          <a:effectLst/>
+                        </a:rPr>
+                        <a:t>491417.9</a:t>
+                      </a:r>
+                      <a:endParaRPr lang="ko-KR" sz="1000" kern="100" dirty="0">
+                        <a:effectLst/>
+                        <a:latin typeface="맑은 고딕" panose="020B0503020000020004" pitchFamily="50" charset="-127"/>
+                        <a:ea typeface="맑은 고딕" panose="020B0503020000020004" pitchFamily="50" charset="-127"/>
+                        <a:cs typeface="Times New Roman" panose="02020603050405020304" pitchFamily="18" charset="0"/>
+                      </a:endParaRPr>
+                    </a:p>
+                  </a:txBody>
+                  <a:tcPr marL="68580" marR="68580" marT="0" marB="0"/>
+                </a:tc>
+                <a:tc>
+                  <a:txBody>
+                    <a:bodyPr/>
+                    <a:lstStyle/>
+                    <a:p>
+                      <a:pPr algn="just" latinLnBrk="1">
+                        <a:lnSpc>
+                          <a:spcPct val="107000"/>
+                        </a:lnSpc>
+                        <a:spcAft>
+                          <a:spcPts val="0"/>
+                        </a:spcAft>
+                      </a:pPr>
+                      <a:r>
+                        <a:rPr lang="en-US" sz="1000" kern="100" dirty="0">
+                          <a:effectLst/>
+                        </a:rPr>
+                        <a:t>33020.8</a:t>
+                      </a:r>
+                      <a:endParaRPr lang="ko-KR" sz="1000" kern="100" dirty="0">
+                        <a:effectLst/>
+                        <a:latin typeface="맑은 고딕" panose="020B0503020000020004" pitchFamily="50" charset="-127"/>
+                        <a:ea typeface="맑은 고딕" panose="020B0503020000020004" pitchFamily="50" charset="-127"/>
+                        <a:cs typeface="Times New Roman" panose="02020603050405020304" pitchFamily="18" charset="0"/>
+                      </a:endParaRPr>
+                    </a:p>
+                  </a:txBody>
+                  <a:tcPr marL="68580" marR="68580" marT="0" marB="0"/>
+                </a:tc>
+                <a:tc>
+                  <a:txBody>
+                    <a:bodyPr/>
+                    <a:lstStyle/>
+                    <a:p>
+                      <a:pPr algn="just" latinLnBrk="1">
+                        <a:lnSpc>
+                          <a:spcPct val="107000"/>
+                        </a:lnSpc>
+                        <a:spcAft>
+                          <a:spcPts val="0"/>
+                        </a:spcAft>
+                      </a:pPr>
+                      <a:r>
+                        <a:rPr lang="en-US" sz="1000" kern="100" dirty="0">
+                          <a:effectLst/>
+                        </a:rPr>
+                        <a:t>2296892472.2</a:t>
+                      </a:r>
+                      <a:endParaRPr lang="ko-KR" sz="1000" kern="100" dirty="0">
+                        <a:effectLst/>
+                        <a:latin typeface="맑은 고딕" panose="020B0503020000020004" pitchFamily="50" charset="-127"/>
+                        <a:ea typeface="맑은 고딕" panose="020B0503020000020004" pitchFamily="50" charset="-127"/>
+                        <a:cs typeface="Times New Roman" panose="02020603050405020304" pitchFamily="18" charset="0"/>
+                      </a:endParaRPr>
+                    </a:p>
+                  </a:txBody>
+                  <a:tcPr marL="68580" marR="68580" marT="0" marB="0"/>
+                </a:tc>
+                <a:tc>
+                  <a:txBody>
+                    <a:bodyPr/>
+                    <a:lstStyle/>
+                    <a:p>
+                      <a:pPr algn="just" latinLnBrk="1">
+                        <a:lnSpc>
+                          <a:spcPct val="107000"/>
+                        </a:lnSpc>
+                        <a:spcAft>
+                          <a:spcPts val="0"/>
+                        </a:spcAft>
+                      </a:pPr>
+                      <a:r>
+                        <a:rPr lang="en-US" sz="1000" kern="100" dirty="0">
+                          <a:effectLst/>
+                        </a:rPr>
+                        <a:t>-420.1</a:t>
+                      </a:r>
+                      <a:endParaRPr lang="ko-KR" sz="1000" kern="100" dirty="0">
+                        <a:effectLst/>
+                        <a:latin typeface="맑은 고딕" panose="020B0503020000020004" pitchFamily="50" charset="-127"/>
+                        <a:ea typeface="맑은 고딕" panose="020B0503020000020004" pitchFamily="50" charset="-127"/>
+                        <a:cs typeface="Times New Roman" panose="02020603050405020304" pitchFamily="18" charset="0"/>
+                      </a:endParaRPr>
+                    </a:p>
+                  </a:txBody>
+                  <a:tcPr marL="68580" marR="68580" marT="0" marB="0"/>
+                </a:tc>
+                <a:tc>
+                  <a:txBody>
+                    <a:bodyPr/>
+                    <a:lstStyle/>
+                    <a:p>
+                      <a:pPr algn="just" latinLnBrk="1">
+                        <a:lnSpc>
+                          <a:spcPct val="107000"/>
+                        </a:lnSpc>
+                        <a:spcAft>
+                          <a:spcPts val="0"/>
+                        </a:spcAft>
+                      </a:pPr>
+                      <a:r>
+                        <a:rPr lang="en-US" sz="1000" kern="100" dirty="0">
+                          <a:effectLst/>
+                        </a:rPr>
+                        <a:t>280255.1</a:t>
+                      </a:r>
+                      <a:endParaRPr lang="ko-KR" sz="1000" kern="100" dirty="0">
+                        <a:effectLst/>
+                        <a:latin typeface="맑은 고딕" panose="020B0503020000020004" pitchFamily="50" charset="-127"/>
+                        <a:ea typeface="맑은 고딕" panose="020B0503020000020004" pitchFamily="50" charset="-127"/>
+                        <a:cs typeface="Times New Roman" panose="02020603050405020304" pitchFamily="18" charset="0"/>
+                      </a:endParaRPr>
+                    </a:p>
+                  </a:txBody>
+                  <a:tcPr marL="68580" marR="68580" marT="0" marB="0"/>
+                </a:tc>
+                <a:tc>
+                  <a:txBody>
+                    <a:bodyPr/>
+                    <a:lstStyle/>
+                    <a:p>
+                      <a:pPr algn="just" latinLnBrk="1">
+                        <a:lnSpc>
+                          <a:spcPct val="107000"/>
+                        </a:lnSpc>
+                        <a:spcAft>
+                          <a:spcPts val="0"/>
+                        </a:spcAft>
+                      </a:pPr>
+                      <a:r>
+                        <a:rPr lang="en-US" sz="1000" kern="100" dirty="0">
+                          <a:effectLst/>
+                        </a:rPr>
+                        <a:t>36852.2</a:t>
+                      </a:r>
+                      <a:endParaRPr lang="ko-KR" sz="1000" kern="100" dirty="0">
+                        <a:effectLst/>
+                        <a:latin typeface="맑은 고딕" panose="020B0503020000020004" pitchFamily="50" charset="-127"/>
+                        <a:ea typeface="맑은 고딕" panose="020B0503020000020004" pitchFamily="50" charset="-127"/>
+                        <a:cs typeface="Times New Roman" panose="02020603050405020304" pitchFamily="18" charset="0"/>
+                      </a:endParaRPr>
+                    </a:p>
+                  </a:txBody>
+                  <a:tcPr marL="68580" marR="68580" marT="0" marB="0"/>
+                </a:tc>
+                <a:tc>
+                  <a:txBody>
+                    <a:bodyPr/>
+                    <a:lstStyle/>
+                    <a:p>
+                      <a:pPr algn="just" latinLnBrk="1">
+                        <a:lnSpc>
+                          <a:spcPct val="107000"/>
+                        </a:lnSpc>
+                        <a:spcAft>
+                          <a:spcPts val="0"/>
+                        </a:spcAft>
+                      </a:pPr>
+                      <a:r>
+                        <a:rPr lang="en-US" sz="1000" kern="100" dirty="0">
+                          <a:effectLst/>
+                        </a:rPr>
+                        <a:t>2718982451.9</a:t>
+                      </a:r>
+                      <a:endParaRPr lang="ko-KR" sz="1000" kern="100" dirty="0">
+                        <a:effectLst/>
+                        <a:latin typeface="맑은 고딕" panose="020B0503020000020004" pitchFamily="50" charset="-127"/>
+                        <a:ea typeface="맑은 고딕" panose="020B0503020000020004" pitchFamily="50" charset="-127"/>
+                        <a:cs typeface="Times New Roman" panose="02020603050405020304" pitchFamily="18" charset="0"/>
+                      </a:endParaRPr>
+                    </a:p>
+                  </a:txBody>
+                  <a:tcPr marL="68580" marR="68580" marT="0" marB="0"/>
+                </a:tc>
+                <a:extLst>
+                  <a:ext uri="{0D108BD9-81ED-4DB2-BD59-A6C34878D82A}">
+                    <a16:rowId xmlns:a16="http://schemas.microsoft.com/office/drawing/2014/main" val="1479287420"/>
+                  </a:ext>
+                </a:extLst>
+              </a:tr>
+            </a:tbl>
+          </a:graphicData>
+        </a:graphic>
+      </p:graphicFrame>
+    </p:spTree>
+    <p:extLst>
+      <p:ext uri="{BB962C8B-B14F-4D97-AF65-F5344CB8AC3E}">
+        <p14:creationId xmlns:p14="http://schemas.microsoft.com/office/powerpoint/2010/main" val="3867695602"/>
+      </p:ext>
+    </p:extLst>
+  </p:cSld>
+  <p:clrMapOvr>
+    <a:masterClrMapping/>
+  </p:clrMapOvr>
+</p:sld>
+</file>
+
+<file path=ppt/slides/slide8.xml><?xml version="1.0" encoding="utf-8"?>
+<p:sld xmlns:a="http://schemas.openxmlformats.org/drawingml/2006/main" xmlns:r="http://schemas.openxmlformats.org/officeDocument/2006/relationships" xmlns:p="http://schemas.openxmlformats.org/presentationml/2006/main">
+  <p:cSld>
+    <p:spTree>
+      <p:nvGrpSpPr>
+        <p:cNvPr id="1" name=""/>
+        <p:cNvGrpSpPr/>
+        <p:nvPr/>
+      </p:nvGrpSpPr>
+      <p:grpSpPr>
+        <a:xfrm>
+          <a:off x="0" y="0"/>
+          <a:ext cx="0" cy="0"/>
+          <a:chOff x="0" y="0"/>
+          <a:chExt cx="0" cy="0"/>
+        </a:xfrm>
+      </p:grpSpPr>
+      <p:sp>
+        <p:nvSpPr>
           <p:cNvPr id="2" name="제목 1"/>
           <p:cNvSpPr>
             <a:spLocks noGrp="1"/>
@@ -6668,25 +9958,37 @@
       </p:sp>
       <p:pic>
         <p:nvPicPr>
-          <p:cNvPr id="32" name="그림 31"/>
-          <p:cNvPicPr/>
+          <p:cNvPr id="33" name="그림 32">
+            <a:extLst>
+              <a:ext uri="{FF2B5EF4-FFF2-40B4-BE49-F238E27FC236}">
+                <a16:creationId xmlns:a16="http://schemas.microsoft.com/office/drawing/2014/main" id="{56D598FD-591F-4854-B0B5-08B372C386B5}"/>
+              </a:ext>
+            </a:extLst>
+          </p:cNvPr>
+          <p:cNvPicPr>
+            <a:picLocks noChangeAspect="1"/>
+          </p:cNvPicPr>
           <p:nvPr/>
         </p:nvPicPr>
-        <p:blipFill>
-          <a:blip r:embed="rId2"/>
-          <a:stretch>
-            <a:fillRect/>
-          </a:stretch>
+        <p:blipFill rotWithShape="1">
+          <a:blip r:embed="rId2">
+            <a:extLst>
+              <a:ext uri="{28A0092B-C50C-407E-A947-70E740481C1C}">
+                <a14:useLocalDpi xmlns:a14="http://schemas.microsoft.com/office/drawing/2010/main" val="0"/>
+              </a:ext>
+            </a:extLst>
+          </a:blip>
+          <a:srcRect l="752" b="70454"/>
+          <a:stretch/>
         </p:blipFill>
         <p:spPr>
           <a:xfrm>
-            <a:off x="7380287" y="4586277"/>
-            <a:ext cx="3050646" cy="1185283"/>
+            <a:off x="6545924" y="4432957"/>
+            <a:ext cx="4831368" cy="1624048"/>
           </a:xfrm>
           <a:prstGeom prst="rect">
             <a:avLst/>
           </a:prstGeom>
-          <a:effectLst/>
         </p:spPr>
       </p:pic>
     </p:spTree>
@@ -6699,85 +10001,10 @@
   <p:clrMapOvr>
     <a:masterClrMapping/>
   </p:clrMapOvr>
-  <p:timing>
-    <p:tnLst>
-      <p:par>
-        <p:cTn id="1" dur="indefinite" restart="never" nodeType="tmRoot">
-          <p:childTnLst>
-            <p:seq concurrent="1" nextAc="seek">
-              <p:cTn id="2" dur="indefinite" nodeType="mainSeq">
-                <p:childTnLst>
-                  <p:par>
-                    <p:cTn id="3" fill="hold">
-                      <p:stCondLst>
-                        <p:cond delay="indefinite"/>
-                      </p:stCondLst>
-                      <p:childTnLst>
-                        <p:par>
-                          <p:cTn id="4" fill="hold">
-                            <p:stCondLst>
-                              <p:cond delay="0"/>
-                            </p:stCondLst>
-                            <p:childTnLst>
-                              <p:par>
-                                <p:cTn id="5" presetID="1" presetClass="entr" presetSubtype="0" fill="hold" nodeType="clickEffect">
-                                  <p:stCondLst>
-                                    <p:cond delay="0"/>
-                                  </p:stCondLst>
-                                  <p:childTnLst>
-                                    <p:set>
-                                      <p:cBhvr>
-                                        <p:cTn id="6" dur="1" fill="hold">
-                                          <p:stCondLst>
-                                            <p:cond delay="0"/>
-                                          </p:stCondLst>
-                                        </p:cTn>
-                                        <p:tgtEl>
-                                          <p:spTgt spid="32"/>
-                                        </p:tgtEl>
-                                        <p:attrNameLst>
-                                          <p:attrName>style.visibility</p:attrName>
-                                        </p:attrNameLst>
-                                      </p:cBhvr>
-                                      <p:to>
-                                        <p:strVal val="visible"/>
-                                      </p:to>
-                                    </p:set>
-                                  </p:childTnLst>
-                                </p:cTn>
-                              </p:par>
-                            </p:childTnLst>
-                          </p:cTn>
-                        </p:par>
-                      </p:childTnLst>
-                    </p:cTn>
-                  </p:par>
-                </p:childTnLst>
-              </p:cTn>
-              <p:prevCondLst>
-                <p:cond evt="onPrev" delay="0">
-                  <p:tgtEl>
-                    <p:sldTgt/>
-                  </p:tgtEl>
-                </p:cond>
-              </p:prevCondLst>
-              <p:nextCondLst>
-                <p:cond evt="onNext" delay="0">
-                  <p:tgtEl>
-                    <p:sldTgt/>
-                  </p:tgtEl>
-                </p:cond>
-              </p:nextCondLst>
-            </p:seq>
-          </p:childTnLst>
-        </p:cTn>
-      </p:par>
-    </p:tnLst>
-  </p:timing>
 </p:sld>
 </file>
 
-<file path=ppt/slides/slide7.xml><?xml version="1.0" encoding="utf-8"?>
+<file path=ppt/slides/slide9.xml><?xml version="1.0" encoding="utf-8"?>
 <p:sld xmlns:a="http://schemas.openxmlformats.org/drawingml/2006/main" xmlns:r="http://schemas.openxmlformats.org/officeDocument/2006/relationships" xmlns:p="http://schemas.openxmlformats.org/presentationml/2006/main">
   <p:cSld>
     <p:spTree>
@@ -10579,11 +13806,19 @@
       </p:sp>
       <p:pic>
         <p:nvPicPr>
-          <p:cNvPr id="131" name="그림 130"/>
-          <p:cNvPicPr/>
+          <p:cNvPr id="99" name="그림 98">
+            <a:extLst>
+              <a:ext uri="{FF2B5EF4-FFF2-40B4-BE49-F238E27FC236}">
+                <a16:creationId xmlns:a16="http://schemas.microsoft.com/office/drawing/2014/main" id="{E8EA2546-9787-4E4F-8280-CCE089D6C1D2}"/>
+              </a:ext>
+            </a:extLst>
+          </p:cNvPr>
+          <p:cNvPicPr>
+            <a:picLocks noChangeAspect="1"/>
+          </p:cNvPicPr>
           <p:nvPr/>
         </p:nvPicPr>
-        <p:blipFill>
+        <p:blipFill rotWithShape="1">
           <a:blip r:embed="rId2">
             <a:extLst>
               <a:ext uri="{28A0092B-C50C-407E-A947-70E740481C1C}">
@@ -10591,23 +13826,17 @@
               </a:ext>
             </a:extLst>
           </a:blip>
-          <a:srcRect/>
-          <a:stretch>
-            <a:fillRect/>
-          </a:stretch>
+          <a:srcRect l="327" t="69006" r="426" b="1448"/>
+          <a:stretch/>
         </p:blipFill>
-        <p:spPr bwMode="auto">
+        <p:spPr>
           <a:xfrm>
-            <a:off x="6941893" y="4078663"/>
-            <a:ext cx="4204982" cy="1868881"/>
+            <a:off x="6545924" y="4432957"/>
+            <a:ext cx="4831368" cy="1624048"/>
           </a:xfrm>
           <a:prstGeom prst="rect">
             <a:avLst/>
           </a:prstGeom>
-          <a:noFill/>
-          <a:ln>
-            <a:noFill/>
-          </a:ln>
         </p:spPr>
       </p:pic>
     </p:spTree>
@@ -10620,81 +13849,6 @@
   <p:clrMapOvr>
     <a:masterClrMapping/>
   </p:clrMapOvr>
-  <p:timing>
-    <p:tnLst>
-      <p:par>
-        <p:cTn id="1" dur="indefinite" restart="never" nodeType="tmRoot">
-          <p:childTnLst>
-            <p:seq concurrent="1" nextAc="seek">
-              <p:cTn id="2" dur="indefinite" nodeType="mainSeq">
-                <p:childTnLst>
-                  <p:par>
-                    <p:cTn id="3" fill="hold">
-                      <p:stCondLst>
-                        <p:cond delay="indefinite"/>
-                      </p:stCondLst>
-                      <p:childTnLst>
-                        <p:par>
-                          <p:cTn id="4" fill="hold">
-                            <p:stCondLst>
-                              <p:cond delay="0"/>
-                            </p:stCondLst>
-                            <p:childTnLst>
-                              <p:par>
-                                <p:cTn id="5" presetID="1" presetClass="entr" presetSubtype="0" fill="hold" nodeType="clickEffect">
-                                  <p:stCondLst>
-                                    <p:cond delay="0"/>
-                                  </p:stCondLst>
-                                  <p:childTnLst>
-                                    <p:set>
-                                      <p:cBhvr>
-                                        <p:cTn id="6" dur="1" fill="hold">
-                                          <p:stCondLst>
-                                            <p:cond delay="0"/>
-                                          </p:stCondLst>
-                                        </p:cTn>
-                                        <p:tgtEl>
-                                          <p:spTgt spid="131"/>
-                                        </p:tgtEl>
-                                        <p:attrNameLst>
-                                          <p:attrName>style.visibility</p:attrName>
-                                        </p:attrNameLst>
-                                      </p:cBhvr>
-                                      <p:to>
-                                        <p:strVal val="visible"/>
-                                      </p:to>
-                                    </p:set>
-                                  </p:childTnLst>
-                                </p:cTn>
-                              </p:par>
-                            </p:childTnLst>
-                          </p:cTn>
-                        </p:par>
-                      </p:childTnLst>
-                    </p:cTn>
-                  </p:par>
-                </p:childTnLst>
-              </p:cTn>
-              <p:prevCondLst>
-                <p:cond evt="onPrev" delay="0">
-                  <p:tgtEl>
-                    <p:sldTgt/>
-                  </p:tgtEl>
-                </p:cond>
-              </p:prevCondLst>
-              <p:nextCondLst>
-                <p:cond evt="onNext" delay="0">
-                  <p:tgtEl>
-                    <p:sldTgt/>
-                  </p:tgtEl>
-                </p:cond>
-              </p:nextCondLst>
-            </p:seq>
-          </p:childTnLst>
-        </p:cTn>
-      </p:par>
-    </p:tnLst>
-  </p:timing>
 </p:sld>
 </file>
 
